--- a/Lab3/Slides, etc/vector_clocks_timeline.pptx
+++ b/Lab3/Slides, etc/vector_clocks_timeline.pptx
@@ -3422,7 +3422,11 @@
           <a:p>
             <a:r>
               <a:rPr lang="de-DE" sz="1600" dirty="0" smtClean="0"/>
-              <a:t>[0,0,1,0]</a:t>
+              <a:t>[</a:t>
+            </a:r>
+            <a:r>
+              <a:rPr lang="de-DE" sz="1600" dirty="0" smtClean="0"/>
+              <a:t>0,0,1,1]</a:t>
             </a:r>
             <a:endParaRPr lang="de-DE" sz="1600" dirty="0"/>
           </a:p>
@@ -3642,7 +3646,15 @@
           <a:p>
             <a:r>
               <a:rPr lang="de-DE" sz="1600" dirty="0" smtClean="0"/>
-              <a:t>[1,1,0,0]</a:t>
+              <a:t>[</a:t>
+            </a:r>
+            <a:r>
+              <a:rPr lang="de-DE" sz="1600" dirty="0" smtClean="0"/>
+              <a:t>1,2,0,0</a:t>
+            </a:r>
+            <a:r>
+              <a:rPr lang="de-DE" sz="1600" dirty="0" smtClean="0"/>
+              <a:t>]</a:t>
             </a:r>
             <a:endParaRPr lang="de-DE" sz="1600" dirty="0"/>
           </a:p>
@@ -3672,7 +3684,11 @@
           <a:p>
             <a:r>
               <a:rPr lang="de-DE" sz="1600" dirty="0" smtClean="0"/>
-              <a:t>[0,0,1,1]</a:t>
+              <a:t>[</a:t>
+            </a:r>
+            <a:r>
+              <a:rPr lang="de-DE" sz="1600" dirty="0" smtClean="0"/>
+              <a:t>0,0,1,2]</a:t>
             </a:r>
             <a:endParaRPr lang="de-DE" sz="1600" dirty="0"/>
           </a:p>
@@ -3737,7 +3753,11 @@
           <a:p>
             <a:r>
               <a:rPr lang="de-DE" sz="1600" dirty="0" smtClean="0"/>
-              <a:t>[0,0,1,1]</a:t>
+              <a:t>[</a:t>
+            </a:r>
+            <a:r>
+              <a:rPr lang="de-DE" sz="1600" dirty="0" smtClean="0"/>
+              <a:t>0,0,2,2]</a:t>
             </a:r>
             <a:endParaRPr lang="de-DE" sz="1600" dirty="0"/>
           </a:p>
@@ -3874,8 +3894,13 @@
           <a:p>
             <a:r>
               <a:rPr lang="de-DE" sz="1600" noProof="1" smtClean="0"/>
-              <a:t>[0,0,1,1]</a:t>
-            </a:r>
+              <a:t>[</a:t>
+            </a:r>
+            <a:r>
+              <a:rPr lang="de-DE" sz="1600" noProof="1" smtClean="0"/>
+              <a:t>0,0,1,2]</a:t>
+            </a:r>
+            <a:endParaRPr lang="de-DE" sz="1600" noProof="1" smtClean="0"/>
           </a:p>
         </p:txBody>
       </p:sp>
@@ -4176,7 +4201,15 @@
           <a:p>
             <a:r>
               <a:rPr lang="de-DE" sz="1600" dirty="0" smtClean="0"/>
-              <a:t>[1,1,1,0]</a:t>
+              <a:t>[</a:t>
+            </a:r>
+            <a:r>
+              <a:rPr lang="de-DE" sz="1600" dirty="0" smtClean="0"/>
+              <a:t>1,3,1,0</a:t>
+            </a:r>
+            <a:r>
+              <a:rPr lang="de-DE" sz="1600" dirty="0" smtClean="0"/>
+              <a:t>]</a:t>
             </a:r>
             <a:endParaRPr lang="de-DE" sz="1600" dirty="0"/>
           </a:p>
@@ -4206,7 +4239,11 @@
           <a:p>
             <a:r>
               <a:rPr lang="de-DE" sz="1600" dirty="0" smtClean="0"/>
-              <a:t>[1,1,1,1]</a:t>
+              <a:t>[</a:t>
+            </a:r>
+            <a:r>
+              <a:rPr lang="de-DE" sz="1600" dirty="0" smtClean="0"/>
+              <a:t>1,4,2,2]</a:t>
             </a:r>
             <a:endParaRPr lang="de-DE" sz="1600" dirty="0"/>
           </a:p>
@@ -4760,7 +4797,15 @@
           <a:p>
             <a:r>
               <a:rPr lang="de-DE" sz="1600" dirty="0" smtClean="0"/>
-              <a:t>[1,0,0]</a:t>
+              <a:t>[</a:t>
+            </a:r>
+            <a:r>
+              <a:rPr lang="de-DE" sz="1600" dirty="0" smtClean="0"/>
+              <a:t>1,1,0</a:t>
+            </a:r>
+            <a:r>
+              <a:rPr lang="de-DE" sz="1600" dirty="0" smtClean="0"/>
+              <a:t>]</a:t>
             </a:r>
             <a:endParaRPr lang="de-DE" sz="1600" dirty="0"/>
           </a:p>
@@ -4790,7 +4835,11 @@
           <a:p>
             <a:r>
               <a:rPr lang="de-DE" sz="1600" dirty="0" smtClean="0"/>
-              <a:t>[1,0,0]</a:t>
+              <a:t>[</a:t>
+            </a:r>
+            <a:r>
+              <a:rPr lang="de-DE" sz="1600" dirty="0" smtClean="0"/>
+              <a:t>1,0,1]</a:t>
             </a:r>
             <a:endParaRPr lang="de-DE" sz="1600" dirty="0"/>
           </a:p>
@@ -4892,7 +4941,11 @@
           <a:p>
             <a:r>
               <a:rPr lang="de-DE" sz="1600" dirty="0" smtClean="0"/>
-              <a:t>[1,1,0]</a:t>
+              <a:t>[</a:t>
+            </a:r>
+            <a:r>
+              <a:rPr lang="de-DE" sz="1600" dirty="0" smtClean="0"/>
+              <a:t>1,2,0]</a:t>
             </a:r>
             <a:endParaRPr lang="de-DE" sz="1600" dirty="0"/>
           </a:p>
@@ -4922,7 +4975,11 @@
           <a:p>
             <a:r>
               <a:rPr lang="de-DE" sz="1600" dirty="0" smtClean="0"/>
-              <a:t>[1,0,1]</a:t>
+              <a:t>[</a:t>
+            </a:r>
+            <a:r>
+              <a:rPr lang="de-DE" sz="1600" dirty="0" smtClean="0"/>
+              <a:t>1,0,2]</a:t>
             </a:r>
             <a:endParaRPr lang="de-DE" sz="1600" dirty="0"/>
           </a:p>
@@ -4952,7 +5009,11 @@
           <a:p>
             <a:r>
               <a:rPr lang="de-DE" sz="1600" dirty="0" smtClean="0"/>
-              <a:t>[1,1,0]</a:t>
+              <a:t>[2,2,0</a:t>
+            </a:r>
+            <a:r>
+              <a:rPr lang="de-DE" sz="1600" dirty="0" smtClean="0"/>
+              <a:t>]</a:t>
             </a:r>
             <a:endParaRPr lang="de-DE" sz="1600" dirty="0"/>
           </a:p>
@@ -5020,7 +5081,19 @@
           <a:p>
             <a:r>
               <a:rPr lang="de-DE" sz="1600" dirty="0" smtClean="0"/>
-              <a:t>[1,1,1]</a:t>
+              <a:t>[</a:t>
+            </a:r>
+            <a:r>
+              <a:rPr lang="de-DE" sz="1600" dirty="0"/>
+              <a:t>3</a:t>
+            </a:r>
+            <a:r>
+              <a:rPr lang="de-DE" sz="1600" dirty="0" smtClean="0"/>
+              <a:t>,2,2</a:t>
+            </a:r>
+            <a:r>
+              <a:rPr lang="de-DE" sz="1600" dirty="0" smtClean="0"/>
+              <a:t>]</a:t>
             </a:r>
             <a:endParaRPr lang="de-DE" sz="1600" dirty="0"/>
           </a:p>
@@ -5128,6 +5201,74 @@
               <a:t>modify</a:t>
             </a:r>
             <a:endParaRPr lang="de-DE" dirty="0"/>
+          </a:p>
+        </p:txBody>
+      </p:sp>
+      <p:sp>
+        <p:nvSpPr>
+          <p:cNvPr id="27" name="Textfeld 26"/>
+          <p:cNvSpPr txBox="1"/>
+          <p:nvPr/>
+        </p:nvSpPr>
+        <p:spPr>
+          <a:xfrm>
+            <a:off x="3978607" y="2847628"/>
+            <a:ext cx="997319" cy="338554"/>
+          </a:xfrm>
+          <a:prstGeom prst="rect">
+            <a:avLst/>
+          </a:prstGeom>
+          <a:noFill/>
+        </p:spPr>
+        <p:txBody>
+          <a:bodyPr wrap="square" rtlCol="0">
+            <a:spAutoFit/>
+          </a:bodyPr>
+          <a:lstStyle/>
+          <a:p>
+            <a:r>
+              <a:rPr lang="de-DE" sz="1600" dirty="0" smtClean="0"/>
+              <a:t>[</a:t>
+            </a:r>
+            <a:r>
+              <a:rPr lang="de-DE" sz="1600" dirty="0" smtClean="0"/>
+              <a:t>1,3,2]</a:t>
+            </a:r>
+            <a:endParaRPr lang="de-DE" sz="1600" dirty="0"/>
+          </a:p>
+        </p:txBody>
+      </p:sp>
+      <p:sp>
+        <p:nvSpPr>
+          <p:cNvPr id="28" name="Textfeld 27"/>
+          <p:cNvSpPr txBox="1"/>
+          <p:nvPr/>
+        </p:nvSpPr>
+        <p:spPr>
+          <a:xfrm>
+            <a:off x="5580112" y="4168217"/>
+            <a:ext cx="997319" cy="338554"/>
+          </a:xfrm>
+          <a:prstGeom prst="rect">
+            <a:avLst/>
+          </a:prstGeom>
+          <a:noFill/>
+        </p:spPr>
+        <p:txBody>
+          <a:bodyPr wrap="square" rtlCol="0">
+            <a:spAutoFit/>
+          </a:bodyPr>
+          <a:lstStyle/>
+          <a:p>
+            <a:r>
+              <a:rPr lang="de-DE" sz="1600" dirty="0" smtClean="0"/>
+              <a:t>[</a:t>
+            </a:r>
+            <a:r>
+              <a:rPr lang="de-DE" sz="1600" dirty="0" smtClean="0"/>
+              <a:t>1,2,3]</a:t>
+            </a:r>
+            <a:endParaRPr lang="de-DE" sz="1600" dirty="0"/>
           </a:p>
         </p:txBody>
       </p:sp>

--- a/Lab3/Slides, etc/vector_clocks_timeline.pptx
+++ b/Lab3/Slides, etc/vector_clocks_timeline.pptx
@@ -7,6 +7,7 @@
   <p:sldIdLst>
     <p:sldId id="256" r:id="rId2"/>
     <p:sldId id="257" r:id="rId3"/>
+    <p:sldId id="258" r:id="rId4"/>
   </p:sldIdLst>
   <p:sldSz cx="9144000" cy="6858000" type="screen4x3"/>
   <p:notesSz cx="6858000" cy="9144000"/>
@@ -3422,11 +3423,7 @@
           <a:p>
             <a:r>
               <a:rPr lang="de-DE" sz="1600" dirty="0" smtClean="0"/>
-              <a:t>[</a:t>
-            </a:r>
-            <a:r>
-              <a:rPr lang="de-DE" sz="1600" dirty="0" smtClean="0"/>
-              <a:t>0,0,1,1]</a:t>
+              <a:t>[0,0,1,1]</a:t>
             </a:r>
             <a:endParaRPr lang="de-DE" sz="1600" dirty="0"/>
           </a:p>
@@ -3646,15 +3643,7 @@
           <a:p>
             <a:r>
               <a:rPr lang="de-DE" sz="1600" dirty="0" smtClean="0"/>
-              <a:t>[</a:t>
-            </a:r>
-            <a:r>
-              <a:rPr lang="de-DE" sz="1600" dirty="0" smtClean="0"/>
-              <a:t>1,2,0,0</a:t>
-            </a:r>
-            <a:r>
-              <a:rPr lang="de-DE" sz="1600" dirty="0" smtClean="0"/>
-              <a:t>]</a:t>
+              <a:t>[1,2,0,0]</a:t>
             </a:r>
             <a:endParaRPr lang="de-DE" sz="1600" dirty="0"/>
           </a:p>
@@ -3684,11 +3673,7 @@
           <a:p>
             <a:r>
               <a:rPr lang="de-DE" sz="1600" dirty="0" smtClean="0"/>
-              <a:t>[</a:t>
-            </a:r>
-            <a:r>
-              <a:rPr lang="de-DE" sz="1600" dirty="0" smtClean="0"/>
-              <a:t>0,0,1,2]</a:t>
+              <a:t>[0,0,1,2]</a:t>
             </a:r>
             <a:endParaRPr lang="de-DE" sz="1600" dirty="0"/>
           </a:p>
@@ -3753,11 +3738,7 @@
           <a:p>
             <a:r>
               <a:rPr lang="de-DE" sz="1600" dirty="0" smtClean="0"/>
-              <a:t>[</a:t>
-            </a:r>
-            <a:r>
-              <a:rPr lang="de-DE" sz="1600" dirty="0" smtClean="0"/>
-              <a:t>0,0,2,2]</a:t>
+              <a:t>[0,0,2,2]</a:t>
             </a:r>
             <a:endParaRPr lang="de-DE" sz="1600" dirty="0"/>
           </a:p>
@@ -3894,13 +3875,8 @@
           <a:p>
             <a:r>
               <a:rPr lang="de-DE" sz="1600" noProof="1" smtClean="0"/>
-              <a:t>[</a:t>
-            </a:r>
-            <a:r>
-              <a:rPr lang="de-DE" sz="1600" noProof="1" smtClean="0"/>
-              <a:t>0,0,1,2]</a:t>
-            </a:r>
-            <a:endParaRPr lang="de-DE" sz="1600" noProof="1" smtClean="0"/>
+              <a:t>[0,0,1,2]</a:t>
+            </a:r>
           </a:p>
         </p:txBody>
       </p:sp>
@@ -4201,15 +4177,7 @@
           <a:p>
             <a:r>
               <a:rPr lang="de-DE" sz="1600" dirty="0" smtClean="0"/>
-              <a:t>[</a:t>
-            </a:r>
-            <a:r>
-              <a:rPr lang="de-DE" sz="1600" dirty="0" smtClean="0"/>
-              <a:t>1,3,1,0</a:t>
-            </a:r>
-            <a:r>
-              <a:rPr lang="de-DE" sz="1600" dirty="0" smtClean="0"/>
-              <a:t>]</a:t>
+              <a:t>[1,3,1,0]</a:t>
             </a:r>
             <a:endParaRPr lang="de-DE" sz="1600" dirty="0"/>
           </a:p>
@@ -4239,11 +4207,7 @@
           <a:p>
             <a:r>
               <a:rPr lang="de-DE" sz="1600" dirty="0" smtClean="0"/>
-              <a:t>[</a:t>
-            </a:r>
-            <a:r>
-              <a:rPr lang="de-DE" sz="1600" dirty="0" smtClean="0"/>
-              <a:t>1,4,2,2]</a:t>
+              <a:t>[1,4,2,2]</a:t>
             </a:r>
             <a:endParaRPr lang="de-DE" sz="1600" dirty="0"/>
           </a:p>
@@ -4797,15 +4761,7 @@
           <a:p>
             <a:r>
               <a:rPr lang="de-DE" sz="1600" dirty="0" smtClean="0"/>
-              <a:t>[</a:t>
-            </a:r>
-            <a:r>
-              <a:rPr lang="de-DE" sz="1600" dirty="0" smtClean="0"/>
-              <a:t>1,1,0</a:t>
-            </a:r>
-            <a:r>
-              <a:rPr lang="de-DE" sz="1600" dirty="0" smtClean="0"/>
-              <a:t>]</a:t>
+              <a:t>[1,1,0]</a:t>
             </a:r>
             <a:endParaRPr lang="de-DE" sz="1600" dirty="0"/>
           </a:p>
@@ -4835,11 +4791,7 @@
           <a:p>
             <a:r>
               <a:rPr lang="de-DE" sz="1600" dirty="0" smtClean="0"/>
-              <a:t>[</a:t>
-            </a:r>
-            <a:r>
-              <a:rPr lang="de-DE" sz="1600" dirty="0" smtClean="0"/>
-              <a:t>1,0,1]</a:t>
+              <a:t>[1,0,1]</a:t>
             </a:r>
             <a:endParaRPr lang="de-DE" sz="1600" dirty="0"/>
           </a:p>
@@ -4941,11 +4893,7 @@
           <a:p>
             <a:r>
               <a:rPr lang="de-DE" sz="1600" dirty="0" smtClean="0"/>
-              <a:t>[</a:t>
-            </a:r>
-            <a:r>
-              <a:rPr lang="de-DE" sz="1600" dirty="0" smtClean="0"/>
-              <a:t>1,2,0]</a:t>
+              <a:t>[1,2,0]</a:t>
             </a:r>
             <a:endParaRPr lang="de-DE" sz="1600" dirty="0"/>
           </a:p>
@@ -4975,11 +4923,7 @@
           <a:p>
             <a:r>
               <a:rPr lang="de-DE" sz="1600" dirty="0" smtClean="0"/>
-              <a:t>[</a:t>
-            </a:r>
-            <a:r>
-              <a:rPr lang="de-DE" sz="1600" dirty="0" smtClean="0"/>
-              <a:t>1,0,2]</a:t>
+              <a:t>[1,0,2]</a:t>
             </a:r>
             <a:endParaRPr lang="de-DE" sz="1600" dirty="0"/>
           </a:p>
@@ -5009,11 +4953,7 @@
           <a:p>
             <a:r>
               <a:rPr lang="de-DE" sz="1600" dirty="0" smtClean="0"/>
-              <a:t>[2,2,0</a:t>
-            </a:r>
-            <a:r>
-              <a:rPr lang="de-DE" sz="1600" dirty="0" smtClean="0"/>
-              <a:t>]</a:t>
+              <a:t>[2,2,0]</a:t>
             </a:r>
             <a:endParaRPr lang="de-DE" sz="1600" dirty="0"/>
           </a:p>
@@ -5089,11 +5029,7 @@
             </a:r>
             <a:r>
               <a:rPr lang="de-DE" sz="1600" dirty="0" smtClean="0"/>
-              <a:t>,2,2</a:t>
-            </a:r>
-            <a:r>
-              <a:rPr lang="de-DE" sz="1600" dirty="0" smtClean="0"/>
-              <a:t>]</a:t>
+              <a:t>,2,2]</a:t>
             </a:r>
             <a:endParaRPr lang="de-DE" sz="1600" dirty="0"/>
           </a:p>
@@ -5228,11 +5164,7 @@
           <a:p>
             <a:r>
               <a:rPr lang="de-DE" sz="1600" dirty="0" smtClean="0"/>
-              <a:t>[</a:t>
-            </a:r>
-            <a:r>
-              <a:rPr lang="de-DE" sz="1600" dirty="0" smtClean="0"/>
-              <a:t>1,3,2]</a:t>
+              <a:t>[1,3,2]</a:t>
             </a:r>
             <a:endParaRPr lang="de-DE" sz="1600" dirty="0"/>
           </a:p>
@@ -5262,11 +5194,7 @@
           <a:p>
             <a:r>
               <a:rPr lang="de-DE" sz="1600" dirty="0" smtClean="0"/>
-              <a:t>[</a:t>
-            </a:r>
-            <a:r>
-              <a:rPr lang="de-DE" sz="1600" dirty="0" smtClean="0"/>
-              <a:t>1,2,3]</a:t>
+              <a:t>[1,2,3]</a:t>
             </a:r>
             <a:endParaRPr lang="de-DE" sz="1600" dirty="0"/>
           </a:p>
@@ -5276,6 +5204,460 @@
     <p:extLst>
       <p:ext uri="{BB962C8B-B14F-4D97-AF65-F5344CB8AC3E}">
         <p14:creationId xmlns:p14="http://schemas.microsoft.com/office/powerpoint/2010/main" val="1097277894"/>
+      </p:ext>
+    </p:extLst>
+  </p:cSld>
+  <p:clrMapOvr>
+    <a:masterClrMapping/>
+  </p:clrMapOvr>
+</p:sld>
+</file>
+
+<file path=ppt/slides/slide3.xml><?xml version="1.0" encoding="utf-8"?>
+<p:sld xmlns:a="http://schemas.openxmlformats.org/drawingml/2006/main" xmlns:r="http://schemas.openxmlformats.org/officeDocument/2006/relationships" xmlns:p="http://schemas.openxmlformats.org/presentationml/2006/main">
+  <p:cSld>
+    <p:spTree>
+      <p:nvGrpSpPr>
+        <p:cNvPr id="1" name=""/>
+        <p:cNvGrpSpPr/>
+        <p:nvPr/>
+      </p:nvGrpSpPr>
+      <p:grpSpPr>
+        <a:xfrm>
+          <a:off x="0" y="0"/>
+          <a:ext cx="0" cy="0"/>
+          <a:chOff x="0" y="0"/>
+          <a:chExt cx="0" cy="0"/>
+        </a:xfrm>
+      </p:grpSpPr>
+      <p:cxnSp>
+        <p:nvCxnSpPr>
+          <p:cNvPr id="5" name="Gerade Verbindung 4"/>
+          <p:cNvCxnSpPr/>
+          <p:nvPr/>
+        </p:nvCxnSpPr>
+        <p:spPr>
+          <a:xfrm>
+            <a:off x="755576" y="1556792"/>
+            <a:ext cx="7704856" cy="0"/>
+          </a:xfrm>
+          <a:prstGeom prst="line">
+            <a:avLst/>
+          </a:prstGeom>
+          <a:ln w="38100">
+            <a:solidFill>
+              <a:schemeClr val="tx1"/>
+            </a:solidFill>
+          </a:ln>
+        </p:spPr>
+        <p:style>
+          <a:lnRef idx="1">
+            <a:schemeClr val="accent1"/>
+          </a:lnRef>
+          <a:fillRef idx="0">
+            <a:schemeClr val="accent1"/>
+          </a:fillRef>
+          <a:effectRef idx="0">
+            <a:schemeClr val="accent1"/>
+          </a:effectRef>
+          <a:fontRef idx="minor">
+            <a:schemeClr val="tx1"/>
+          </a:fontRef>
+        </p:style>
+      </p:cxnSp>
+      <p:cxnSp>
+        <p:nvCxnSpPr>
+          <p:cNvPr id="6" name="Gerade Verbindung 5"/>
+          <p:cNvCxnSpPr/>
+          <p:nvPr/>
+        </p:nvCxnSpPr>
+        <p:spPr>
+          <a:xfrm>
+            <a:off x="745417" y="2852936"/>
+            <a:ext cx="7704856" cy="0"/>
+          </a:xfrm>
+          <a:prstGeom prst="line">
+            <a:avLst/>
+          </a:prstGeom>
+          <a:ln w="38100">
+            <a:solidFill>
+              <a:schemeClr val="tx1"/>
+            </a:solidFill>
+          </a:ln>
+        </p:spPr>
+        <p:style>
+          <a:lnRef idx="1">
+            <a:schemeClr val="accent1"/>
+          </a:lnRef>
+          <a:fillRef idx="0">
+            <a:schemeClr val="accent1"/>
+          </a:fillRef>
+          <a:effectRef idx="0">
+            <a:schemeClr val="accent1"/>
+          </a:effectRef>
+          <a:fontRef idx="minor">
+            <a:schemeClr val="tx1"/>
+          </a:fontRef>
+        </p:style>
+      </p:cxnSp>
+      <p:cxnSp>
+        <p:nvCxnSpPr>
+          <p:cNvPr id="10" name="Gerade Verbindung mit Pfeil 9"/>
+          <p:cNvCxnSpPr/>
+          <p:nvPr/>
+        </p:nvCxnSpPr>
+        <p:spPr>
+          <a:xfrm>
+            <a:off x="1043608" y="1556792"/>
+            <a:ext cx="3024336" cy="1296144"/>
+          </a:xfrm>
+          <a:prstGeom prst="straightConnector1">
+            <a:avLst/>
+          </a:prstGeom>
+          <a:ln w="28575">
+            <a:solidFill>
+              <a:schemeClr val="tx1"/>
+            </a:solidFill>
+            <a:tailEnd type="arrow"/>
+          </a:ln>
+        </p:spPr>
+        <p:style>
+          <a:lnRef idx="1">
+            <a:schemeClr val="accent1"/>
+          </a:lnRef>
+          <a:fillRef idx="0">
+            <a:schemeClr val="accent1"/>
+          </a:fillRef>
+          <a:effectRef idx="0">
+            <a:schemeClr val="accent1"/>
+          </a:effectRef>
+          <a:fontRef idx="minor">
+            <a:schemeClr val="tx1"/>
+          </a:fontRef>
+        </p:style>
+      </p:cxnSp>
+      <p:sp>
+        <p:nvSpPr>
+          <p:cNvPr id="12" name="Textfeld 11"/>
+          <p:cNvSpPr txBox="1"/>
+          <p:nvPr/>
+        </p:nvSpPr>
+        <p:spPr>
+          <a:xfrm>
+            <a:off x="622352" y="1187460"/>
+            <a:ext cx="997319" cy="338554"/>
+          </a:xfrm>
+          <a:prstGeom prst="rect">
+            <a:avLst/>
+          </a:prstGeom>
+          <a:noFill/>
+        </p:spPr>
+        <p:txBody>
+          <a:bodyPr wrap="square" rtlCol="0">
+            <a:spAutoFit/>
+          </a:bodyPr>
+          <a:lstStyle/>
+          <a:p>
+            <a:r>
+              <a:rPr lang="de-DE" sz="1600" dirty="0" smtClean="0"/>
+              <a:t>[</a:t>
+            </a:r>
+            <a:r>
+              <a:rPr lang="de-DE" sz="1600" dirty="0" smtClean="0"/>
+              <a:t>1,0]</a:t>
+            </a:r>
+            <a:endParaRPr lang="de-DE" sz="1600" dirty="0"/>
+          </a:p>
+        </p:txBody>
+      </p:sp>
+      <p:sp>
+        <p:nvSpPr>
+          <p:cNvPr id="13" name="Textfeld 12"/>
+          <p:cNvSpPr txBox="1"/>
+          <p:nvPr/>
+        </p:nvSpPr>
+        <p:spPr>
+          <a:xfrm>
+            <a:off x="1920298" y="2852936"/>
+            <a:ext cx="976899" cy="338554"/>
+          </a:xfrm>
+          <a:prstGeom prst="rect">
+            <a:avLst/>
+          </a:prstGeom>
+          <a:noFill/>
+        </p:spPr>
+        <p:txBody>
+          <a:bodyPr wrap="square" rtlCol="0">
+            <a:spAutoFit/>
+          </a:bodyPr>
+          <a:lstStyle/>
+          <a:p>
+            <a:r>
+              <a:rPr lang="de-DE" sz="1600" dirty="0" smtClean="0"/>
+              <a:t>[</a:t>
+            </a:r>
+            <a:r>
+              <a:rPr lang="de-DE" sz="1600" dirty="0" smtClean="0"/>
+              <a:t>1,2]</a:t>
+            </a:r>
+            <a:endParaRPr lang="de-DE" sz="1600" dirty="0"/>
+          </a:p>
+        </p:txBody>
+      </p:sp>
+      <p:sp>
+        <p:nvSpPr>
+          <p:cNvPr id="17" name="Textfeld 16"/>
+          <p:cNvSpPr txBox="1"/>
+          <p:nvPr/>
+        </p:nvSpPr>
+        <p:spPr>
+          <a:xfrm>
+            <a:off x="2254980" y="1629406"/>
+            <a:ext cx="972108" cy="338554"/>
+          </a:xfrm>
+          <a:prstGeom prst="rect">
+            <a:avLst/>
+          </a:prstGeom>
+          <a:noFill/>
+        </p:spPr>
+        <p:txBody>
+          <a:bodyPr wrap="square" rtlCol="0">
+            <a:spAutoFit/>
+          </a:bodyPr>
+          <a:lstStyle/>
+          <a:p>
+            <a:r>
+              <a:rPr lang="de-DE" sz="1600" noProof="1" smtClean="0"/>
+              <a:t>modify1</a:t>
+            </a:r>
+            <a:endParaRPr lang="de-DE" sz="1600" noProof="1"/>
+          </a:p>
+        </p:txBody>
+      </p:sp>
+      <p:cxnSp>
+        <p:nvCxnSpPr>
+          <p:cNvPr id="19" name="Gerade Verbindung mit Pfeil 18"/>
+          <p:cNvCxnSpPr/>
+          <p:nvPr/>
+        </p:nvCxnSpPr>
+        <p:spPr>
+          <a:xfrm>
+            <a:off x="2088613" y="1556792"/>
+            <a:ext cx="467163" cy="1296144"/>
+          </a:xfrm>
+          <a:prstGeom prst="straightConnector1">
+            <a:avLst/>
+          </a:prstGeom>
+          <a:ln w="28575">
+            <a:solidFill>
+              <a:schemeClr val="tx1"/>
+            </a:solidFill>
+            <a:tailEnd type="arrow"/>
+          </a:ln>
+        </p:spPr>
+        <p:style>
+          <a:lnRef idx="1">
+            <a:schemeClr val="accent1"/>
+          </a:lnRef>
+          <a:fillRef idx="0">
+            <a:schemeClr val="accent1"/>
+          </a:fillRef>
+          <a:effectRef idx="0">
+            <a:schemeClr val="accent1"/>
+          </a:effectRef>
+          <a:fontRef idx="minor">
+            <a:schemeClr val="tx1"/>
+          </a:fontRef>
+        </p:style>
+      </p:cxnSp>
+      <p:sp>
+        <p:nvSpPr>
+          <p:cNvPr id="25" name="Textfeld 24"/>
+          <p:cNvSpPr txBox="1"/>
+          <p:nvPr/>
+        </p:nvSpPr>
+        <p:spPr>
+          <a:xfrm>
+            <a:off x="3579494" y="2852936"/>
+            <a:ext cx="976899" cy="338554"/>
+          </a:xfrm>
+          <a:prstGeom prst="rect">
+            <a:avLst/>
+          </a:prstGeom>
+          <a:noFill/>
+        </p:spPr>
+        <p:txBody>
+          <a:bodyPr wrap="square" rtlCol="0">
+            <a:spAutoFit/>
+          </a:bodyPr>
+          <a:lstStyle/>
+          <a:p>
+            <a:r>
+              <a:rPr lang="de-DE" sz="1600" dirty="0" smtClean="0"/>
+              <a:t>[</a:t>
+            </a:r>
+            <a:r>
+              <a:rPr lang="de-DE" sz="1600" dirty="0"/>
+              <a:t>2</a:t>
+            </a:r>
+            <a:r>
+              <a:rPr lang="de-DE" sz="1600" dirty="0" smtClean="0"/>
+              <a:t>,2]</a:t>
+            </a:r>
+            <a:endParaRPr lang="de-DE" sz="1600" dirty="0"/>
+          </a:p>
+        </p:txBody>
+      </p:sp>
+      <p:sp>
+        <p:nvSpPr>
+          <p:cNvPr id="40" name="Ellipse 39"/>
+          <p:cNvSpPr/>
+          <p:nvPr/>
+        </p:nvSpPr>
+        <p:spPr>
+          <a:xfrm>
+            <a:off x="1005761" y="1484784"/>
+            <a:ext cx="136213" cy="144016"/>
+          </a:xfrm>
+          <a:prstGeom prst="ellipse">
+            <a:avLst/>
+          </a:prstGeom>
+          <a:ln>
+            <a:noFill/>
+          </a:ln>
+        </p:spPr>
+        <p:style>
+          <a:lnRef idx="2">
+            <a:schemeClr val="accent6">
+              <a:shade val="50000"/>
+            </a:schemeClr>
+          </a:lnRef>
+          <a:fillRef idx="1">
+            <a:schemeClr val="accent6"/>
+          </a:fillRef>
+          <a:effectRef idx="0">
+            <a:schemeClr val="accent6"/>
+          </a:effectRef>
+          <a:fontRef idx="minor">
+            <a:schemeClr val="lt1"/>
+          </a:fontRef>
+        </p:style>
+        <p:txBody>
+          <a:bodyPr rtlCol="0" anchor="ctr"/>
+          <a:lstStyle/>
+          <a:p>
+            <a:pPr algn="ctr"/>
+            <a:endParaRPr lang="de-DE"/>
+          </a:p>
+        </p:txBody>
+      </p:sp>
+      <p:sp>
+        <p:nvSpPr>
+          <p:cNvPr id="42" name="Ellipse 41"/>
+          <p:cNvSpPr/>
+          <p:nvPr/>
+        </p:nvSpPr>
+        <p:spPr>
+          <a:xfrm>
+            <a:off x="2033740" y="1485390"/>
+            <a:ext cx="136213" cy="144016"/>
+          </a:xfrm>
+          <a:prstGeom prst="ellipse">
+            <a:avLst/>
+          </a:prstGeom>
+          <a:ln>
+            <a:noFill/>
+          </a:ln>
+        </p:spPr>
+        <p:style>
+          <a:lnRef idx="2">
+            <a:schemeClr val="accent6">
+              <a:shade val="50000"/>
+            </a:schemeClr>
+          </a:lnRef>
+          <a:fillRef idx="1">
+            <a:schemeClr val="accent6"/>
+          </a:fillRef>
+          <a:effectRef idx="0">
+            <a:schemeClr val="accent6"/>
+          </a:effectRef>
+          <a:fontRef idx="minor">
+            <a:schemeClr val="lt1"/>
+          </a:fontRef>
+        </p:style>
+        <p:txBody>
+          <a:bodyPr rtlCol="0" anchor="ctr"/>
+          <a:lstStyle/>
+          <a:p>
+            <a:pPr algn="ctr"/>
+            <a:endParaRPr lang="de-DE"/>
+          </a:p>
+        </p:txBody>
+      </p:sp>
+      <p:sp>
+        <p:nvSpPr>
+          <p:cNvPr id="41" name="Textfeld 40"/>
+          <p:cNvSpPr txBox="1"/>
+          <p:nvPr/>
+        </p:nvSpPr>
+        <p:spPr>
+          <a:xfrm>
+            <a:off x="1756321" y="1187460"/>
+            <a:ext cx="997319" cy="338554"/>
+          </a:xfrm>
+          <a:prstGeom prst="rect">
+            <a:avLst/>
+          </a:prstGeom>
+          <a:noFill/>
+        </p:spPr>
+        <p:txBody>
+          <a:bodyPr wrap="square" rtlCol="0">
+            <a:spAutoFit/>
+          </a:bodyPr>
+          <a:lstStyle/>
+          <a:p>
+            <a:r>
+              <a:rPr lang="de-DE" sz="1600" dirty="0" smtClean="0"/>
+              <a:t>[2,0]</a:t>
+            </a:r>
+            <a:endParaRPr lang="de-DE" sz="1600" dirty="0"/>
+          </a:p>
+        </p:txBody>
+      </p:sp>
+      <p:sp>
+        <p:nvSpPr>
+          <p:cNvPr id="43" name="Textfeld 42"/>
+          <p:cNvSpPr txBox="1"/>
+          <p:nvPr/>
+        </p:nvSpPr>
+        <p:spPr>
+          <a:xfrm>
+            <a:off x="1164789" y="1925216"/>
+            <a:ext cx="972108" cy="338554"/>
+          </a:xfrm>
+          <a:prstGeom prst="rect">
+            <a:avLst/>
+          </a:prstGeom>
+          <a:noFill/>
+        </p:spPr>
+        <p:txBody>
+          <a:bodyPr wrap="square" rtlCol="0">
+            <a:spAutoFit/>
+          </a:bodyPr>
+          <a:lstStyle/>
+          <a:p>
+            <a:r>
+              <a:rPr lang="de-DE" sz="1600" noProof="1" smtClean="0"/>
+              <a:t>submit1</a:t>
+            </a:r>
+            <a:endParaRPr lang="de-DE" sz="1600" noProof="1"/>
+          </a:p>
+        </p:txBody>
+      </p:sp>
+    </p:spTree>
+    <p:extLst>
+      <p:ext uri="{BB962C8B-B14F-4D97-AF65-F5344CB8AC3E}">
+        <p14:creationId xmlns:p14="http://schemas.microsoft.com/office/powerpoint/2010/main" val="3556925523"/>
       </p:ext>
     </p:extLst>
   </p:cSld>

--- a/Lab3/Slides, etc/vector_clocks_timeline.pptx
+++ b/Lab3/Slides, etc/vector_clocks_timeline.pptx
@@ -290,7 +290,7 @@
           <a:p>
             <a:fld id="{C22DA938-8F72-4C5F-85FE-680B6C16219B}" type="datetimeFigureOut">
               <a:rPr lang="de-DE" smtClean="0"/>
-              <a:t>16.12.2020</a:t>
+              <a:t>18.12.2020</a:t>
             </a:fld>
             <a:endParaRPr lang="de-DE"/>
           </a:p>
@@ -460,7 +460,7 @@
           <a:p>
             <a:fld id="{C22DA938-8F72-4C5F-85FE-680B6C16219B}" type="datetimeFigureOut">
               <a:rPr lang="de-DE" smtClean="0"/>
-              <a:t>16.12.2020</a:t>
+              <a:t>18.12.2020</a:t>
             </a:fld>
             <a:endParaRPr lang="de-DE"/>
           </a:p>
@@ -640,7 +640,7 @@
           <a:p>
             <a:fld id="{C22DA938-8F72-4C5F-85FE-680B6C16219B}" type="datetimeFigureOut">
               <a:rPr lang="de-DE" smtClean="0"/>
-              <a:t>16.12.2020</a:t>
+              <a:t>18.12.2020</a:t>
             </a:fld>
             <a:endParaRPr lang="de-DE"/>
           </a:p>
@@ -810,7 +810,7 @@
           <a:p>
             <a:fld id="{C22DA938-8F72-4C5F-85FE-680B6C16219B}" type="datetimeFigureOut">
               <a:rPr lang="de-DE" smtClean="0"/>
-              <a:t>16.12.2020</a:t>
+              <a:t>18.12.2020</a:t>
             </a:fld>
             <a:endParaRPr lang="de-DE"/>
           </a:p>
@@ -1056,7 +1056,7 @@
           <a:p>
             <a:fld id="{C22DA938-8F72-4C5F-85FE-680B6C16219B}" type="datetimeFigureOut">
               <a:rPr lang="de-DE" smtClean="0"/>
-              <a:t>16.12.2020</a:t>
+              <a:t>18.12.2020</a:t>
             </a:fld>
             <a:endParaRPr lang="de-DE"/>
           </a:p>
@@ -1344,7 +1344,7 @@
           <a:p>
             <a:fld id="{C22DA938-8F72-4C5F-85FE-680B6C16219B}" type="datetimeFigureOut">
               <a:rPr lang="de-DE" smtClean="0"/>
-              <a:t>16.12.2020</a:t>
+              <a:t>18.12.2020</a:t>
             </a:fld>
             <a:endParaRPr lang="de-DE"/>
           </a:p>
@@ -1766,7 +1766,7 @@
           <a:p>
             <a:fld id="{C22DA938-8F72-4C5F-85FE-680B6C16219B}" type="datetimeFigureOut">
               <a:rPr lang="de-DE" smtClean="0"/>
-              <a:t>16.12.2020</a:t>
+              <a:t>18.12.2020</a:t>
             </a:fld>
             <a:endParaRPr lang="de-DE"/>
           </a:p>
@@ -1884,7 +1884,7 @@
           <a:p>
             <a:fld id="{C22DA938-8F72-4C5F-85FE-680B6C16219B}" type="datetimeFigureOut">
               <a:rPr lang="de-DE" smtClean="0"/>
-              <a:t>16.12.2020</a:t>
+              <a:t>18.12.2020</a:t>
             </a:fld>
             <a:endParaRPr lang="de-DE"/>
           </a:p>
@@ -1979,7 +1979,7 @@
           <a:p>
             <a:fld id="{C22DA938-8F72-4C5F-85FE-680B6C16219B}" type="datetimeFigureOut">
               <a:rPr lang="de-DE" smtClean="0"/>
-              <a:t>16.12.2020</a:t>
+              <a:t>18.12.2020</a:t>
             </a:fld>
             <a:endParaRPr lang="de-DE"/>
           </a:p>
@@ -2256,7 +2256,7 @@
           <a:p>
             <a:fld id="{C22DA938-8F72-4C5F-85FE-680B6C16219B}" type="datetimeFigureOut">
               <a:rPr lang="de-DE" smtClean="0"/>
-              <a:t>16.12.2020</a:t>
+              <a:t>18.12.2020</a:t>
             </a:fld>
             <a:endParaRPr lang="de-DE"/>
           </a:p>
@@ -2509,7 +2509,7 @@
           <a:p>
             <a:fld id="{C22DA938-8F72-4C5F-85FE-680B6C16219B}" type="datetimeFigureOut">
               <a:rPr lang="de-DE" smtClean="0"/>
-              <a:t>16.12.2020</a:t>
+              <a:t>18.12.2020</a:t>
             </a:fld>
             <a:endParaRPr lang="de-DE"/>
           </a:p>
@@ -2722,7 +2722,7 @@
           <a:p>
             <a:fld id="{C22DA938-8F72-4C5F-85FE-680B6C16219B}" type="datetimeFigureOut">
               <a:rPr lang="de-DE" smtClean="0"/>
-              <a:t>16.12.2020</a:t>
+              <a:t>18.12.2020</a:t>
             </a:fld>
             <a:endParaRPr lang="de-DE"/>
           </a:p>
@@ -3327,7 +3327,15 @@
           <a:p>
             <a:r>
               <a:rPr lang="de-DE" sz="1600" dirty="0" smtClean="0"/>
-              <a:t>[1,0,0,0]</a:t>
+              <a:t>[</a:t>
+            </a:r>
+            <a:r>
+              <a:rPr lang="de-DE" sz="1600" dirty="0" smtClean="0"/>
+              <a:t>1,1,0,0</a:t>
+            </a:r>
+            <a:r>
+              <a:rPr lang="de-DE" sz="1600" dirty="0" smtClean="0"/>
+              <a:t>]</a:t>
             </a:r>
             <a:endParaRPr lang="de-DE" sz="1600" dirty="0"/>
           </a:p>
@@ -3437,7 +3445,7 @@
         </p:nvSpPr>
         <p:spPr>
           <a:xfrm>
-            <a:off x="1295636" y="2035587"/>
+            <a:off x="471389" y="2035587"/>
             <a:ext cx="972108" cy="338554"/>
           </a:xfrm>
           <a:prstGeom prst="rect">
@@ -3467,7 +3475,7 @@
         </p:nvSpPr>
         <p:spPr>
           <a:xfrm>
-            <a:off x="1407240" y="4624981"/>
+            <a:off x="582447" y="4626591"/>
             <a:ext cx="929229" cy="338554"/>
           </a:xfrm>
           <a:prstGeom prst="rect">
@@ -3569,7 +3577,7 @@
         </p:nvSpPr>
         <p:spPr>
           <a:xfrm>
-            <a:off x="2436678" y="2035587"/>
+            <a:off x="2147370" y="2324191"/>
             <a:ext cx="1086106" cy="338554"/>
           </a:xfrm>
           <a:prstGeom prst="rect">
@@ -3598,7 +3606,7 @@
         </p:nvSpPr>
         <p:spPr>
           <a:xfrm>
-            <a:off x="2280292" y="4624981"/>
+            <a:off x="2093806" y="4963535"/>
             <a:ext cx="1193233" cy="338554"/>
           </a:xfrm>
           <a:prstGeom prst="rect">
@@ -3722,7 +3730,7 @@
         </p:nvSpPr>
         <p:spPr>
           <a:xfrm>
-            <a:off x="2130373" y="3775575"/>
+            <a:off x="2481071" y="3789040"/>
             <a:ext cx="997319" cy="338554"/>
           </a:xfrm>
           <a:prstGeom prst="rect">
@@ -3752,7 +3760,7 @@
         </p:nvCxnSpPr>
         <p:spPr>
           <a:xfrm flipV="1">
-            <a:off x="3347864" y="2841984"/>
+            <a:off x="3967569" y="2860404"/>
             <a:ext cx="900098" cy="1326233"/>
           </a:xfrm>
           <a:prstGeom prst="straightConnector1">
@@ -3788,7 +3796,7 @@
         </p:nvSpPr>
         <p:spPr>
           <a:xfrm>
-            <a:off x="3668616" y="3478232"/>
+            <a:off x="4288321" y="3496652"/>
             <a:ext cx="929229" cy="584775"/>
           </a:xfrm>
           <a:prstGeom prst="rect">
@@ -3818,7 +3826,7 @@
         </p:nvCxnSpPr>
         <p:spPr>
           <a:xfrm flipV="1">
-            <a:off x="3059832" y="3212712"/>
+            <a:off x="3679537" y="3231132"/>
             <a:ext cx="462952" cy="2193370"/>
           </a:xfrm>
           <a:prstGeom prst="line">
@@ -3853,7 +3861,7 @@
         </p:nvSpPr>
         <p:spPr>
           <a:xfrm>
-            <a:off x="3174638" y="4590270"/>
+            <a:off x="3794343" y="4608690"/>
             <a:ext cx="1193233" cy="584775"/>
           </a:xfrm>
           <a:prstGeom prst="rect">
@@ -4060,8 +4068,8 @@
         </p:nvCxnSpPr>
         <p:spPr>
           <a:xfrm flipH="1">
-            <a:off x="3522784" y="3180538"/>
-            <a:ext cx="845087" cy="32174"/>
+            <a:off x="4142489" y="3173946"/>
+            <a:ext cx="845087" cy="57186"/>
           </a:xfrm>
           <a:prstGeom prst="line">
             <a:avLst/>
@@ -4095,7 +4103,7 @@
         </p:nvCxnSpPr>
         <p:spPr>
           <a:xfrm flipV="1">
-            <a:off x="4367871" y="2852936"/>
+            <a:off x="4987576" y="2871356"/>
             <a:ext cx="240133" cy="327605"/>
           </a:xfrm>
           <a:prstGeom prst="straightConnector1">
@@ -4131,8 +4139,8 @@
         </p:nvSpPr>
         <p:spPr>
           <a:xfrm>
-            <a:off x="3227955" y="2903363"/>
-            <a:ext cx="1020007" cy="338554"/>
+            <a:off x="3951014" y="2901419"/>
+            <a:ext cx="801921" cy="338554"/>
           </a:xfrm>
           <a:prstGeom prst="rect">
             <a:avLst/>
@@ -4161,7 +4169,7 @@
         </p:nvSpPr>
         <p:spPr>
           <a:xfrm>
-            <a:off x="3347864" y="2442374"/>
+            <a:off x="4072732" y="2521850"/>
             <a:ext cx="976899" cy="338554"/>
           </a:xfrm>
           <a:prstGeom prst="rect">
@@ -4177,7 +4185,11 @@
           <a:p>
             <a:r>
               <a:rPr lang="de-DE" sz="1600" dirty="0" smtClean="0"/>
-              <a:t>[1,3,1,0]</a:t>
+              <a:t>[2,3,1,0</a:t>
+            </a:r>
+            <a:r>
+              <a:rPr lang="de-DE" sz="1600" dirty="0" smtClean="0"/>
+              <a:t>]</a:t>
             </a:r>
             <a:endParaRPr lang="de-DE" sz="1600" dirty="0"/>
           </a:p>
@@ -4191,7 +4203,7 @@
         </p:nvSpPr>
         <p:spPr>
           <a:xfrm>
-            <a:off x="4367871" y="2431422"/>
+            <a:off x="5049631" y="2532802"/>
             <a:ext cx="976899" cy="338554"/>
           </a:xfrm>
           <a:prstGeom prst="rect">
@@ -4248,6 +4260,440 @@
               <a:t>clusters</a:t>
             </a:r>
             <a:endParaRPr lang="de-DE" dirty="0" smtClean="0"/>
+          </a:p>
+        </p:txBody>
+      </p:sp>
+      <p:cxnSp>
+        <p:nvCxnSpPr>
+          <p:cNvPr id="36" name="Gerade Verbindung mit Pfeil 35"/>
+          <p:cNvCxnSpPr/>
+          <p:nvPr/>
+        </p:nvCxnSpPr>
+        <p:spPr>
+          <a:xfrm flipV="1">
+            <a:off x="1639934" y="4146186"/>
+            <a:ext cx="267770" cy="1242619"/>
+          </a:xfrm>
+          <a:prstGeom prst="straightConnector1">
+            <a:avLst/>
+          </a:prstGeom>
+          <a:ln w="28575">
+            <a:solidFill>
+              <a:schemeClr val="tx1"/>
+            </a:solidFill>
+            <a:tailEnd type="arrow"/>
+          </a:ln>
+        </p:spPr>
+        <p:style>
+          <a:lnRef idx="1">
+            <a:schemeClr val="accent1"/>
+          </a:lnRef>
+          <a:fillRef idx="0">
+            <a:schemeClr val="accent1"/>
+          </a:fillRef>
+          <a:effectRef idx="0">
+            <a:schemeClr val="accent1"/>
+          </a:effectRef>
+          <a:fontRef idx="minor">
+            <a:schemeClr val="tx1"/>
+          </a:fontRef>
+        </p:style>
+      </p:cxnSp>
+      <p:sp>
+        <p:nvSpPr>
+          <p:cNvPr id="41" name="Textfeld 40"/>
+          <p:cNvSpPr txBox="1"/>
+          <p:nvPr/>
+        </p:nvSpPr>
+        <p:spPr>
+          <a:xfrm>
+            <a:off x="1630465" y="3789040"/>
+            <a:ext cx="997319" cy="338554"/>
+          </a:xfrm>
+          <a:prstGeom prst="rect">
+            <a:avLst/>
+          </a:prstGeom>
+          <a:noFill/>
+        </p:spPr>
+        <p:txBody>
+          <a:bodyPr wrap="square" rtlCol="0">
+            <a:spAutoFit/>
+          </a:bodyPr>
+          <a:lstStyle/>
+          <a:p>
+            <a:r>
+              <a:rPr lang="de-DE" sz="1600" dirty="0" smtClean="0"/>
+              <a:t>[</a:t>
+            </a:r>
+            <a:r>
+              <a:rPr lang="de-DE" sz="1600" dirty="0" smtClean="0"/>
+              <a:t>0,0,1,1]</a:t>
+            </a:r>
+            <a:endParaRPr lang="de-DE" sz="1600" dirty="0"/>
+          </a:p>
+        </p:txBody>
+      </p:sp>
+      <p:sp>
+        <p:nvSpPr>
+          <p:cNvPr id="43" name="Textfeld 42"/>
+          <p:cNvSpPr txBox="1"/>
+          <p:nvPr/>
+        </p:nvSpPr>
+        <p:spPr>
+          <a:xfrm>
+            <a:off x="1599420" y="2032933"/>
+            <a:ext cx="929229" cy="338554"/>
+          </a:xfrm>
+          <a:prstGeom prst="rect">
+            <a:avLst/>
+          </a:prstGeom>
+          <a:noFill/>
+        </p:spPr>
+        <p:txBody>
+          <a:bodyPr wrap="square" rtlCol="0">
+            <a:spAutoFit/>
+          </a:bodyPr>
+          <a:lstStyle/>
+          <a:p>
+            <a:r>
+              <a:rPr lang="de-DE" sz="1600" dirty="0" err="1" smtClean="0"/>
+              <a:t>ack</a:t>
+            </a:r>
+            <a:endParaRPr lang="de-DE" sz="1600" dirty="0"/>
+          </a:p>
+        </p:txBody>
+      </p:sp>
+      <p:sp>
+        <p:nvSpPr>
+          <p:cNvPr id="45" name="Textfeld 44"/>
+          <p:cNvSpPr txBox="1"/>
+          <p:nvPr/>
+        </p:nvSpPr>
+        <p:spPr>
+          <a:xfrm>
+            <a:off x="1691680" y="4626877"/>
+            <a:ext cx="929229" cy="338554"/>
+          </a:xfrm>
+          <a:prstGeom prst="rect">
+            <a:avLst/>
+          </a:prstGeom>
+          <a:noFill/>
+        </p:spPr>
+        <p:txBody>
+          <a:bodyPr wrap="square" rtlCol="0">
+            <a:spAutoFit/>
+          </a:bodyPr>
+          <a:lstStyle/>
+          <a:p>
+            <a:r>
+              <a:rPr lang="de-DE" sz="1600" dirty="0" err="1" smtClean="0"/>
+              <a:t>ack</a:t>
+            </a:r>
+            <a:endParaRPr lang="de-DE" sz="1600" dirty="0"/>
+          </a:p>
+        </p:txBody>
+      </p:sp>
+      <p:cxnSp>
+        <p:nvCxnSpPr>
+          <p:cNvPr id="46" name="Gerade Verbindung mit Pfeil 45"/>
+          <p:cNvCxnSpPr/>
+          <p:nvPr/>
+        </p:nvCxnSpPr>
+        <p:spPr>
+          <a:xfrm flipV="1">
+            <a:off x="1551565" y="1526014"/>
+            <a:ext cx="267770" cy="1323225"/>
+          </a:xfrm>
+          <a:prstGeom prst="straightConnector1">
+            <a:avLst/>
+          </a:prstGeom>
+          <a:ln w="28575">
+            <a:solidFill>
+              <a:schemeClr val="tx1"/>
+            </a:solidFill>
+            <a:tailEnd type="arrow"/>
+          </a:ln>
+        </p:spPr>
+        <p:style>
+          <a:lnRef idx="1">
+            <a:schemeClr val="accent1"/>
+          </a:lnRef>
+          <a:fillRef idx="0">
+            <a:schemeClr val="accent1"/>
+          </a:fillRef>
+          <a:effectRef idx="0">
+            <a:schemeClr val="accent1"/>
+          </a:effectRef>
+          <a:fontRef idx="minor">
+            <a:schemeClr val="tx1"/>
+          </a:fontRef>
+        </p:style>
+      </p:cxnSp>
+      <p:sp>
+        <p:nvSpPr>
+          <p:cNvPr id="48" name="Textfeld 47"/>
+          <p:cNvSpPr txBox="1"/>
+          <p:nvPr/>
+        </p:nvSpPr>
+        <p:spPr>
+          <a:xfrm>
+            <a:off x="1550596" y="1187460"/>
+            <a:ext cx="976899" cy="338554"/>
+          </a:xfrm>
+          <a:prstGeom prst="rect">
+            <a:avLst/>
+          </a:prstGeom>
+          <a:noFill/>
+        </p:spPr>
+        <p:txBody>
+          <a:bodyPr wrap="square" rtlCol="0">
+            <a:spAutoFit/>
+          </a:bodyPr>
+          <a:lstStyle/>
+          <a:p>
+            <a:r>
+              <a:rPr lang="de-DE" sz="1600" dirty="0" smtClean="0"/>
+              <a:t>[</a:t>
+            </a:r>
+            <a:r>
+              <a:rPr lang="de-DE" sz="1600" dirty="0" smtClean="0"/>
+              <a:t>1,1,0,0</a:t>
+            </a:r>
+            <a:r>
+              <a:rPr lang="de-DE" sz="1600" dirty="0" smtClean="0"/>
+              <a:t>]</a:t>
+            </a:r>
+            <a:endParaRPr lang="de-DE" sz="1600" dirty="0"/>
+          </a:p>
+        </p:txBody>
+      </p:sp>
+      <p:sp>
+        <p:nvSpPr>
+          <p:cNvPr id="49" name="Textfeld 48"/>
+          <p:cNvSpPr txBox="1"/>
+          <p:nvPr/>
+        </p:nvSpPr>
+        <p:spPr>
+          <a:xfrm>
+            <a:off x="2506490" y="1218238"/>
+            <a:ext cx="976899" cy="338554"/>
+          </a:xfrm>
+          <a:prstGeom prst="rect">
+            <a:avLst/>
+          </a:prstGeom>
+          <a:noFill/>
+        </p:spPr>
+        <p:txBody>
+          <a:bodyPr wrap="square" rtlCol="0">
+            <a:spAutoFit/>
+          </a:bodyPr>
+          <a:lstStyle/>
+          <a:p>
+            <a:r>
+              <a:rPr lang="de-DE" sz="1600" dirty="0" smtClean="0"/>
+              <a:t>[2,2,0,0</a:t>
+            </a:r>
+            <a:r>
+              <a:rPr lang="de-DE" sz="1600" dirty="0" smtClean="0"/>
+              <a:t>]</a:t>
+            </a:r>
+            <a:endParaRPr lang="de-DE" sz="1600" dirty="0"/>
+          </a:p>
+        </p:txBody>
+      </p:sp>
+      <p:cxnSp>
+        <p:nvCxnSpPr>
+          <p:cNvPr id="50" name="Gerade Verbindung mit Pfeil 49"/>
+          <p:cNvCxnSpPr/>
+          <p:nvPr/>
+        </p:nvCxnSpPr>
+        <p:spPr>
+          <a:xfrm>
+            <a:off x="2824919" y="1628800"/>
+            <a:ext cx="234913" cy="1213184"/>
+          </a:xfrm>
+          <a:prstGeom prst="straightConnector1">
+            <a:avLst/>
+          </a:prstGeom>
+          <a:ln w="28575">
+            <a:solidFill>
+              <a:schemeClr val="tx1"/>
+            </a:solidFill>
+            <a:tailEnd type="arrow"/>
+          </a:ln>
+        </p:spPr>
+        <p:style>
+          <a:lnRef idx="1">
+            <a:schemeClr val="accent1"/>
+          </a:lnRef>
+          <a:fillRef idx="0">
+            <a:schemeClr val="accent1"/>
+          </a:fillRef>
+          <a:effectRef idx="0">
+            <a:schemeClr val="accent1"/>
+          </a:effectRef>
+          <a:fontRef idx="minor">
+            <a:schemeClr val="tx1"/>
+          </a:fontRef>
+        </p:style>
+      </p:cxnSp>
+      <p:sp>
+        <p:nvSpPr>
+          <p:cNvPr id="51" name="Textfeld 50"/>
+          <p:cNvSpPr txBox="1"/>
+          <p:nvPr/>
+        </p:nvSpPr>
+        <p:spPr>
+          <a:xfrm>
+            <a:off x="2868684" y="2018349"/>
+            <a:ext cx="929229" cy="338554"/>
+          </a:xfrm>
+          <a:prstGeom prst="rect">
+            <a:avLst/>
+          </a:prstGeom>
+          <a:noFill/>
+        </p:spPr>
+        <p:txBody>
+          <a:bodyPr wrap="square" rtlCol="0">
+            <a:spAutoFit/>
+          </a:bodyPr>
+          <a:lstStyle/>
+          <a:p>
+            <a:r>
+              <a:rPr lang="de-DE" sz="1600" dirty="0" err="1" smtClean="0"/>
+              <a:t>ack</a:t>
+            </a:r>
+            <a:endParaRPr lang="de-DE" sz="1600" dirty="0"/>
+          </a:p>
+        </p:txBody>
+      </p:sp>
+      <p:sp>
+        <p:nvSpPr>
+          <p:cNvPr id="52" name="Textfeld 51"/>
+          <p:cNvSpPr txBox="1"/>
+          <p:nvPr/>
+        </p:nvSpPr>
+        <p:spPr>
+          <a:xfrm>
+            <a:off x="2728725" y="2835392"/>
+            <a:ext cx="976899" cy="338554"/>
+          </a:xfrm>
+          <a:prstGeom prst="rect">
+            <a:avLst/>
+          </a:prstGeom>
+          <a:noFill/>
+        </p:spPr>
+        <p:txBody>
+          <a:bodyPr wrap="square" rtlCol="0">
+            <a:spAutoFit/>
+          </a:bodyPr>
+          <a:lstStyle/>
+          <a:p>
+            <a:r>
+              <a:rPr lang="de-DE" sz="1600" dirty="0" smtClean="0"/>
+              <a:t>[2,2,0,0</a:t>
+            </a:r>
+            <a:r>
+              <a:rPr lang="de-DE" sz="1600" dirty="0" smtClean="0"/>
+              <a:t>]</a:t>
+            </a:r>
+            <a:endParaRPr lang="de-DE" sz="1600" dirty="0"/>
+          </a:p>
+        </p:txBody>
+      </p:sp>
+      <p:cxnSp>
+        <p:nvCxnSpPr>
+          <p:cNvPr id="53" name="Gerade Verbindung mit Pfeil 52"/>
+          <p:cNvCxnSpPr/>
+          <p:nvPr/>
+        </p:nvCxnSpPr>
+        <p:spPr>
+          <a:xfrm>
+            <a:off x="2602071" y="4188996"/>
+            <a:ext cx="234913" cy="1213184"/>
+          </a:xfrm>
+          <a:prstGeom prst="straightConnector1">
+            <a:avLst/>
+          </a:prstGeom>
+          <a:ln w="28575">
+            <a:solidFill>
+              <a:schemeClr val="tx1"/>
+            </a:solidFill>
+            <a:tailEnd type="arrow"/>
+          </a:ln>
+        </p:spPr>
+        <p:style>
+          <a:lnRef idx="1">
+            <a:schemeClr val="accent1"/>
+          </a:lnRef>
+          <a:fillRef idx="0">
+            <a:schemeClr val="accent1"/>
+          </a:fillRef>
+          <a:effectRef idx="0">
+            <a:schemeClr val="accent1"/>
+          </a:effectRef>
+          <a:fontRef idx="minor">
+            <a:schemeClr val="tx1"/>
+          </a:fontRef>
+        </p:style>
+      </p:cxnSp>
+      <p:sp>
+        <p:nvSpPr>
+          <p:cNvPr id="54" name="Textfeld 53"/>
+          <p:cNvSpPr txBox="1"/>
+          <p:nvPr/>
+        </p:nvSpPr>
+        <p:spPr>
+          <a:xfrm>
+            <a:off x="2685307" y="4457034"/>
+            <a:ext cx="929229" cy="338554"/>
+          </a:xfrm>
+          <a:prstGeom prst="rect">
+            <a:avLst/>
+          </a:prstGeom>
+          <a:noFill/>
+        </p:spPr>
+        <p:txBody>
+          <a:bodyPr wrap="square" rtlCol="0">
+            <a:spAutoFit/>
+          </a:bodyPr>
+          <a:lstStyle/>
+          <a:p>
+            <a:r>
+              <a:rPr lang="de-DE" sz="1600" dirty="0" err="1" smtClean="0"/>
+              <a:t>ack</a:t>
+            </a:r>
+            <a:endParaRPr lang="de-DE" sz="1600" dirty="0"/>
+          </a:p>
+        </p:txBody>
+      </p:sp>
+      <p:sp>
+        <p:nvSpPr>
+          <p:cNvPr id="57" name="Textfeld 56"/>
+          <p:cNvSpPr txBox="1"/>
+          <p:nvPr/>
+        </p:nvSpPr>
+        <p:spPr>
+          <a:xfrm>
+            <a:off x="2868684" y="5388805"/>
+            <a:ext cx="997319" cy="338554"/>
+          </a:xfrm>
+          <a:prstGeom prst="rect">
+            <a:avLst/>
+          </a:prstGeom>
+          <a:noFill/>
+        </p:spPr>
+        <p:txBody>
+          <a:bodyPr wrap="square" rtlCol="0">
+            <a:spAutoFit/>
+          </a:bodyPr>
+          <a:lstStyle/>
+          <a:p>
+            <a:r>
+              <a:rPr lang="de-DE" sz="1600" dirty="0" smtClean="0"/>
+              <a:t>[0,0,2,2]</a:t>
+            </a:r>
+            <a:endParaRPr lang="de-DE" sz="1600" dirty="0"/>
           </a:p>
         </p:txBody>
       </p:sp>
@@ -4490,7 +4936,7 @@
         </p:nvCxnSpPr>
         <p:spPr>
           <a:xfrm flipV="1">
-            <a:off x="2072119" y="1556792"/>
+            <a:off x="3903532" y="1556792"/>
             <a:ext cx="665916" cy="1290836"/>
           </a:xfrm>
           <a:prstGeom prst="straightConnector1">
@@ -4526,7 +4972,7 @@
         </p:nvSpPr>
         <p:spPr>
           <a:xfrm>
-            <a:off x="2423119" y="2035587"/>
+            <a:off x="3386764" y="2009379"/>
             <a:ext cx="1086106" cy="338554"/>
           </a:xfrm>
           <a:prstGeom prst="rect">
@@ -4555,7 +5001,7 @@
         </p:nvCxnSpPr>
         <p:spPr>
           <a:xfrm>
-            <a:off x="2156720" y="2888941"/>
+            <a:off x="3988133" y="2888941"/>
             <a:ext cx="3783432" cy="1260139"/>
           </a:xfrm>
           <a:prstGeom prst="straightConnector1">
@@ -4634,7 +5080,7 @@
         </p:nvSpPr>
         <p:spPr>
           <a:xfrm>
-            <a:off x="2020507" y="2774540"/>
+            <a:off x="3851920" y="2774540"/>
             <a:ext cx="136213" cy="144016"/>
           </a:xfrm>
           <a:prstGeom prst="ellipse">
@@ -4805,7 +5251,7 @@
         </p:nvSpPr>
         <p:spPr>
           <a:xfrm>
-            <a:off x="3851920" y="3229148"/>
+            <a:off x="5683333" y="3229148"/>
             <a:ext cx="1086106" cy="338554"/>
           </a:xfrm>
           <a:prstGeom prst="rect">
@@ -4834,7 +5280,7 @@
         </p:nvSpPr>
         <p:spPr>
           <a:xfrm>
-            <a:off x="2979731" y="4077072"/>
+            <a:off x="4811144" y="4077072"/>
             <a:ext cx="136213" cy="144016"/>
           </a:xfrm>
           <a:prstGeom prst="ellipse">
@@ -4877,7 +5323,7 @@
         </p:nvSpPr>
         <p:spPr>
           <a:xfrm>
-            <a:off x="1884018" y="2901171"/>
+            <a:off x="2389445" y="1187460"/>
             <a:ext cx="997319" cy="338554"/>
           </a:xfrm>
           <a:prstGeom prst="rect">
@@ -4893,7 +5339,11 @@
           <a:p>
             <a:r>
               <a:rPr lang="de-DE" sz="1600" dirty="0" smtClean="0"/>
-              <a:t>[1,2,0]</a:t>
+              <a:t>[</a:t>
+            </a:r>
+            <a:r>
+              <a:rPr lang="de-DE" sz="1600" dirty="0" smtClean="0"/>
+              <a:t>1,1,1]</a:t>
             </a:r>
             <a:endParaRPr lang="de-DE" sz="1600" dirty="0"/>
           </a:p>
@@ -4907,7 +5357,7 @@
         </p:nvSpPr>
         <p:spPr>
           <a:xfrm>
-            <a:off x="2617284" y="4211000"/>
+            <a:off x="4448697" y="4211000"/>
             <a:ext cx="997319" cy="338554"/>
           </a:xfrm>
           <a:prstGeom prst="rect">
@@ -4937,7 +5387,7 @@
         </p:nvSpPr>
         <p:spPr>
           <a:xfrm>
-            <a:off x="2382677" y="1205426"/>
+            <a:off x="4214090" y="1205426"/>
             <a:ext cx="997319" cy="338554"/>
           </a:xfrm>
           <a:prstGeom prst="rect">
@@ -4953,7 +5403,11 @@
           <a:p>
             <a:r>
               <a:rPr lang="de-DE" sz="1600" dirty="0" smtClean="0"/>
-              <a:t>[2,2,0]</a:t>
+              <a:t>[</a:t>
+            </a:r>
+            <a:r>
+              <a:rPr lang="de-DE" sz="1600" dirty="0" smtClean="0"/>
+              <a:t>2,2,1]</a:t>
             </a:r>
             <a:endParaRPr lang="de-DE" sz="1600" dirty="0"/>
           </a:p>
@@ -4969,7 +5423,7 @@
         </p:nvCxnSpPr>
         <p:spPr>
           <a:xfrm flipV="1">
-            <a:off x="3047838" y="1556792"/>
+            <a:off x="4879251" y="1556792"/>
             <a:ext cx="804082" cy="2520280"/>
           </a:xfrm>
           <a:prstGeom prst="straightConnector1">
@@ -5005,7 +5459,7 @@
         </p:nvSpPr>
         <p:spPr>
           <a:xfrm>
-            <a:off x="3449879" y="1218238"/>
+            <a:off x="5281292" y="1218238"/>
             <a:ext cx="997319" cy="338554"/>
           </a:xfrm>
           <a:prstGeom prst="rect">
@@ -5043,7 +5497,7 @@
         </p:nvSpPr>
         <p:spPr>
           <a:xfrm>
-            <a:off x="3175123" y="3772841"/>
+            <a:off x="5006536" y="3772841"/>
             <a:ext cx="1086106" cy="338554"/>
           </a:xfrm>
           <a:prstGeom prst="rect">
@@ -5074,7 +5528,7 @@
         </p:nvCxnSpPr>
         <p:spPr>
           <a:xfrm flipV="1">
-            <a:off x="3095996" y="2816932"/>
+            <a:off x="4927409" y="2816932"/>
             <a:ext cx="908324" cy="1281231"/>
           </a:xfrm>
           <a:prstGeom prst="straightConnector1">
@@ -5148,7 +5602,7 @@
         </p:nvSpPr>
         <p:spPr>
           <a:xfrm>
-            <a:off x="3978607" y="2847628"/>
+            <a:off x="5810020" y="2847628"/>
             <a:ext cx="997319" cy="338554"/>
           </a:xfrm>
           <a:prstGeom prst="rect">
@@ -5178,7 +5632,7 @@
         </p:nvSpPr>
         <p:spPr>
           <a:xfrm>
-            <a:off x="5580112" y="4168217"/>
+            <a:off x="7411525" y="4168217"/>
             <a:ext cx="997319" cy="338554"/>
           </a:xfrm>
           <a:prstGeom prst="rect">
@@ -5195,6 +5649,244 @@
             <a:r>
               <a:rPr lang="de-DE" sz="1600" dirty="0" smtClean="0"/>
               <a:t>[1,2,3]</a:t>
+            </a:r>
+            <a:endParaRPr lang="de-DE" sz="1600" dirty="0"/>
+          </a:p>
+        </p:txBody>
+      </p:sp>
+      <p:sp>
+        <p:nvSpPr>
+          <p:cNvPr id="29" name="Textfeld 28"/>
+          <p:cNvSpPr txBox="1"/>
+          <p:nvPr/>
+        </p:nvSpPr>
+        <p:spPr>
+          <a:xfrm>
+            <a:off x="2099575" y="2032933"/>
+            <a:ext cx="929229" cy="338554"/>
+          </a:xfrm>
+          <a:prstGeom prst="rect">
+            <a:avLst/>
+          </a:prstGeom>
+          <a:noFill/>
+        </p:spPr>
+        <p:txBody>
+          <a:bodyPr wrap="square" rtlCol="0">
+            <a:spAutoFit/>
+          </a:bodyPr>
+          <a:lstStyle/>
+          <a:p>
+            <a:r>
+              <a:rPr lang="de-DE" sz="1600" dirty="0" err="1" smtClean="0"/>
+              <a:t>ack</a:t>
+            </a:r>
+            <a:endParaRPr lang="de-DE" sz="1600" dirty="0"/>
+          </a:p>
+        </p:txBody>
+      </p:sp>
+      <p:cxnSp>
+        <p:nvCxnSpPr>
+          <p:cNvPr id="32" name="Gerade Verbindung mit Pfeil 31"/>
+          <p:cNvCxnSpPr/>
+          <p:nvPr/>
+        </p:nvCxnSpPr>
+        <p:spPr>
+          <a:xfrm flipV="1">
+            <a:off x="2051720" y="1526014"/>
+            <a:ext cx="267770" cy="1323225"/>
+          </a:xfrm>
+          <a:prstGeom prst="straightConnector1">
+            <a:avLst/>
+          </a:prstGeom>
+          <a:ln w="28575">
+            <a:solidFill>
+              <a:schemeClr val="tx1"/>
+            </a:solidFill>
+            <a:tailEnd type="arrow"/>
+          </a:ln>
+        </p:spPr>
+        <p:style>
+          <a:lnRef idx="1">
+            <a:schemeClr val="accent1"/>
+          </a:lnRef>
+          <a:fillRef idx="0">
+            <a:schemeClr val="accent1"/>
+          </a:fillRef>
+          <a:effectRef idx="0">
+            <a:schemeClr val="accent1"/>
+          </a:effectRef>
+          <a:fontRef idx="minor">
+            <a:schemeClr val="tx1"/>
+          </a:fontRef>
+        </p:style>
+      </p:cxnSp>
+      <p:sp>
+        <p:nvSpPr>
+          <p:cNvPr id="33" name="Textfeld 32"/>
+          <p:cNvSpPr txBox="1"/>
+          <p:nvPr/>
+        </p:nvSpPr>
+        <p:spPr>
+          <a:xfrm>
+            <a:off x="2171583" y="3359855"/>
+            <a:ext cx="929229" cy="338554"/>
+          </a:xfrm>
+          <a:prstGeom prst="rect">
+            <a:avLst/>
+          </a:prstGeom>
+          <a:noFill/>
+        </p:spPr>
+        <p:txBody>
+          <a:bodyPr wrap="square" rtlCol="0">
+            <a:spAutoFit/>
+          </a:bodyPr>
+          <a:lstStyle/>
+          <a:p>
+            <a:r>
+              <a:rPr lang="de-DE" sz="1600" dirty="0" err="1" smtClean="0"/>
+              <a:t>ack</a:t>
+            </a:r>
+            <a:endParaRPr lang="de-DE" sz="1600" dirty="0"/>
+          </a:p>
+        </p:txBody>
+      </p:sp>
+      <p:cxnSp>
+        <p:nvCxnSpPr>
+          <p:cNvPr id="34" name="Gerade Verbindung mit Pfeil 33"/>
+          <p:cNvCxnSpPr/>
+          <p:nvPr/>
+        </p:nvCxnSpPr>
+        <p:spPr>
+          <a:xfrm flipV="1">
+            <a:off x="2123728" y="1556792"/>
+            <a:ext cx="517108" cy="2619370"/>
+          </a:xfrm>
+          <a:prstGeom prst="straightConnector1">
+            <a:avLst/>
+          </a:prstGeom>
+          <a:ln w="28575">
+            <a:solidFill>
+              <a:schemeClr val="tx1"/>
+            </a:solidFill>
+            <a:tailEnd type="arrow"/>
+          </a:ln>
+        </p:spPr>
+        <p:style>
+          <a:lnRef idx="1">
+            <a:schemeClr val="accent1"/>
+          </a:lnRef>
+          <a:fillRef idx="0">
+            <a:schemeClr val="accent1"/>
+          </a:fillRef>
+          <a:effectRef idx="0">
+            <a:schemeClr val="accent1"/>
+          </a:effectRef>
+          <a:fontRef idx="minor">
+            <a:schemeClr val="tx1"/>
+          </a:fontRef>
+        </p:style>
+      </p:cxnSp>
+      <p:cxnSp>
+        <p:nvCxnSpPr>
+          <p:cNvPr id="35" name="Gerade Verbindung mit Pfeil 34"/>
+          <p:cNvCxnSpPr>
+            <a:stCxn id="50" idx="2"/>
+          </p:cNvCxnSpPr>
+          <p:nvPr/>
+        </p:nvCxnSpPr>
+        <p:spPr>
+          <a:xfrm>
+            <a:off x="4712750" y="1543980"/>
+            <a:ext cx="293786" cy="1308956"/>
+          </a:xfrm>
+          <a:prstGeom prst="straightConnector1">
+            <a:avLst/>
+          </a:prstGeom>
+          <a:ln w="28575">
+            <a:solidFill>
+              <a:schemeClr val="tx1"/>
+            </a:solidFill>
+            <a:tailEnd type="arrow"/>
+          </a:ln>
+        </p:spPr>
+        <p:style>
+          <a:lnRef idx="1">
+            <a:schemeClr val="accent1"/>
+          </a:lnRef>
+          <a:fillRef idx="0">
+            <a:schemeClr val="accent1"/>
+          </a:fillRef>
+          <a:effectRef idx="0">
+            <a:schemeClr val="accent1"/>
+          </a:effectRef>
+          <a:fontRef idx="minor">
+            <a:schemeClr val="tx1"/>
+          </a:fontRef>
+        </p:style>
+      </p:cxnSp>
+      <p:sp>
+        <p:nvSpPr>
+          <p:cNvPr id="39" name="Textfeld 38"/>
+          <p:cNvSpPr txBox="1"/>
+          <p:nvPr/>
+        </p:nvSpPr>
+        <p:spPr>
+          <a:xfrm>
+            <a:off x="4811144" y="2018349"/>
+            <a:ext cx="929229" cy="338554"/>
+          </a:xfrm>
+          <a:prstGeom prst="rect">
+            <a:avLst/>
+          </a:prstGeom>
+          <a:noFill/>
+        </p:spPr>
+        <p:txBody>
+          <a:bodyPr wrap="square" rtlCol="0">
+            <a:spAutoFit/>
+          </a:bodyPr>
+          <a:lstStyle/>
+          <a:p>
+            <a:r>
+              <a:rPr lang="de-DE" sz="1600" dirty="0" err="1" smtClean="0"/>
+              <a:t>ack</a:t>
+            </a:r>
+            <a:endParaRPr lang="de-DE" sz="1600" dirty="0"/>
+          </a:p>
+        </p:txBody>
+      </p:sp>
+      <p:sp>
+        <p:nvSpPr>
+          <p:cNvPr id="44" name="Textfeld 43"/>
+          <p:cNvSpPr txBox="1"/>
+          <p:nvPr/>
+        </p:nvSpPr>
+        <p:spPr>
+          <a:xfrm>
+            <a:off x="3216771" y="2890594"/>
+            <a:ext cx="997319" cy="338554"/>
+          </a:xfrm>
+          <a:prstGeom prst="rect">
+            <a:avLst/>
+          </a:prstGeom>
+          <a:noFill/>
+        </p:spPr>
+        <p:txBody>
+          <a:bodyPr wrap="square" rtlCol="0">
+            <a:spAutoFit/>
+          </a:bodyPr>
+          <a:lstStyle/>
+          <a:p>
+            <a:r>
+              <a:rPr lang="de-DE" sz="1600" dirty="0" smtClean="0"/>
+              <a:t>[</a:t>
+            </a:r>
+            <a:r>
+              <a:rPr lang="de-DE" sz="1600" dirty="0" smtClean="0"/>
+              <a:t>1,2,0</a:t>
+            </a:r>
+            <a:r>
+              <a:rPr lang="de-DE" sz="1600" dirty="0" smtClean="0"/>
+              <a:t>]</a:t>
             </a:r>
             <a:endParaRPr lang="de-DE" sz="1600" dirty="0"/>
           </a:p>
@@ -5309,7 +6001,7 @@
         <p:spPr>
           <a:xfrm>
             <a:off x="1043608" y="1556792"/>
-            <a:ext cx="3024336" cy="1296144"/>
+            <a:ext cx="2304256" cy="1296144"/>
           </a:xfrm>
           <a:prstGeom prst="straightConnector1">
             <a:avLst/>
@@ -5360,11 +6052,7 @@
           <a:p>
             <a:r>
               <a:rPr lang="de-DE" sz="1600" dirty="0" smtClean="0"/>
-              <a:t>[</a:t>
-            </a:r>
-            <a:r>
-              <a:rPr lang="de-DE" sz="1600" dirty="0" smtClean="0"/>
-              <a:t>1,0]</a:t>
+              <a:t>[1,0]</a:t>
             </a:r>
             <a:endParaRPr lang="de-DE" sz="1600" dirty="0"/>
           </a:p>
@@ -5378,7 +6066,7 @@
         </p:nvSpPr>
         <p:spPr>
           <a:xfrm>
-            <a:off x="1920298" y="2852936"/>
+            <a:off x="3059832" y="2846610"/>
             <a:ext cx="976899" cy="338554"/>
           </a:xfrm>
           <a:prstGeom prst="rect">
@@ -5398,7 +6086,7 @@
             </a:r>
             <a:r>
               <a:rPr lang="de-DE" sz="1600" dirty="0" smtClean="0"/>
-              <a:t>1,2]</a:t>
+              <a:t>1,1]</a:t>
             </a:r>
             <a:endParaRPr lang="de-DE" sz="1600" dirty="0"/>
           </a:p>
@@ -5412,7 +6100,7 @@
         </p:nvSpPr>
         <p:spPr>
           <a:xfrm>
-            <a:off x="2254980" y="1629406"/>
+            <a:off x="2193247" y="1624615"/>
             <a:ext cx="972108" cy="338554"/>
           </a:xfrm>
           <a:prstGeom prst="rect">
@@ -5442,8 +6130,8 @@
         </p:nvCxnSpPr>
         <p:spPr>
           <a:xfrm>
-            <a:off x="2088613" y="1556792"/>
-            <a:ext cx="467163" cy="1296144"/>
+            <a:off x="4228010" y="2492896"/>
+            <a:ext cx="160067" cy="353714"/>
           </a:xfrm>
           <a:prstGeom prst="straightConnector1">
             <a:avLst/>
@@ -5478,7 +6166,7 @@
         </p:nvSpPr>
         <p:spPr>
           <a:xfrm>
-            <a:off x="3579494" y="2852936"/>
+            <a:off x="4308043" y="2881322"/>
             <a:ext cx="976899" cy="338554"/>
           </a:xfrm>
           <a:prstGeom prst="rect">
@@ -5654,6 +6342,78 @@
           </a:p>
         </p:txBody>
       </p:sp>
+      <p:cxnSp>
+        <p:nvCxnSpPr>
+          <p:cNvPr id="16" name="Gerade Verbindung 15"/>
+          <p:cNvCxnSpPr>
+            <a:stCxn id="42" idx="4"/>
+          </p:cNvCxnSpPr>
+          <p:nvPr/>
+        </p:nvCxnSpPr>
+        <p:spPr>
+          <a:xfrm>
+            <a:off x="2101847" y="1629406"/>
+            <a:ext cx="306900" cy="863490"/>
+          </a:xfrm>
+          <a:prstGeom prst="line">
+            <a:avLst/>
+          </a:prstGeom>
+          <a:ln w="28575">
+            <a:solidFill>
+              <a:schemeClr val="tx1"/>
+            </a:solidFill>
+          </a:ln>
+        </p:spPr>
+        <p:style>
+          <a:lnRef idx="1">
+            <a:schemeClr val="accent1"/>
+          </a:lnRef>
+          <a:fillRef idx="0">
+            <a:schemeClr val="accent1"/>
+          </a:fillRef>
+          <a:effectRef idx="0">
+            <a:schemeClr val="accent1"/>
+          </a:effectRef>
+          <a:fontRef idx="minor">
+            <a:schemeClr val="tx1"/>
+          </a:fontRef>
+        </p:style>
+      </p:cxnSp>
+      <p:cxnSp>
+        <p:nvCxnSpPr>
+          <p:cNvPr id="20" name="Gerade Verbindung 19"/>
+          <p:cNvCxnSpPr/>
+          <p:nvPr/>
+        </p:nvCxnSpPr>
+        <p:spPr>
+          <a:xfrm>
+            <a:off x="2408747" y="2492896"/>
+            <a:ext cx="1819263" cy="0"/>
+          </a:xfrm>
+          <a:prstGeom prst="line">
+            <a:avLst/>
+          </a:prstGeom>
+          <a:ln w="28575">
+            <a:solidFill>
+              <a:schemeClr val="tx1"/>
+            </a:solidFill>
+          </a:ln>
+        </p:spPr>
+        <p:style>
+          <a:lnRef idx="1">
+            <a:schemeClr val="accent1"/>
+          </a:lnRef>
+          <a:fillRef idx="0">
+            <a:schemeClr val="accent1"/>
+          </a:fillRef>
+          <a:effectRef idx="0">
+            <a:schemeClr val="accent1"/>
+          </a:effectRef>
+          <a:fontRef idx="minor">
+            <a:schemeClr val="tx1"/>
+          </a:fontRef>
+        </p:style>
+      </p:cxnSp>
     </p:spTree>
     <p:extLst>
       <p:ext uri="{BB962C8B-B14F-4D97-AF65-F5344CB8AC3E}">

--- a/Lab3/Slides, etc/vector_clocks_timeline.pptx
+++ b/Lab3/Slides, etc/vector_clocks_timeline.pptx
@@ -8,6 +8,7 @@
     <p:sldId id="256" r:id="rId2"/>
     <p:sldId id="257" r:id="rId3"/>
     <p:sldId id="258" r:id="rId4"/>
+    <p:sldId id="259" r:id="rId5"/>
   </p:sldIdLst>
   <p:sldSz cx="9144000" cy="6858000" type="screen4x3"/>
   <p:notesSz cx="6858000" cy="9144000"/>
@@ -290,7 +291,7 @@
           <a:p>
             <a:fld id="{C22DA938-8F72-4C5F-85FE-680B6C16219B}" type="datetimeFigureOut">
               <a:rPr lang="de-DE" smtClean="0"/>
-              <a:t>18.12.2020</a:t>
+              <a:t>20.12.2020</a:t>
             </a:fld>
             <a:endParaRPr lang="de-DE"/>
           </a:p>
@@ -460,7 +461,7 @@
           <a:p>
             <a:fld id="{C22DA938-8F72-4C5F-85FE-680B6C16219B}" type="datetimeFigureOut">
               <a:rPr lang="de-DE" smtClean="0"/>
-              <a:t>18.12.2020</a:t>
+              <a:t>20.12.2020</a:t>
             </a:fld>
             <a:endParaRPr lang="de-DE"/>
           </a:p>
@@ -640,7 +641,7 @@
           <a:p>
             <a:fld id="{C22DA938-8F72-4C5F-85FE-680B6C16219B}" type="datetimeFigureOut">
               <a:rPr lang="de-DE" smtClean="0"/>
-              <a:t>18.12.2020</a:t>
+              <a:t>20.12.2020</a:t>
             </a:fld>
             <a:endParaRPr lang="de-DE"/>
           </a:p>
@@ -810,7 +811,7 @@
           <a:p>
             <a:fld id="{C22DA938-8F72-4C5F-85FE-680B6C16219B}" type="datetimeFigureOut">
               <a:rPr lang="de-DE" smtClean="0"/>
-              <a:t>18.12.2020</a:t>
+              <a:t>20.12.2020</a:t>
             </a:fld>
             <a:endParaRPr lang="de-DE"/>
           </a:p>
@@ -1056,7 +1057,7 @@
           <a:p>
             <a:fld id="{C22DA938-8F72-4C5F-85FE-680B6C16219B}" type="datetimeFigureOut">
               <a:rPr lang="de-DE" smtClean="0"/>
-              <a:t>18.12.2020</a:t>
+              <a:t>20.12.2020</a:t>
             </a:fld>
             <a:endParaRPr lang="de-DE"/>
           </a:p>
@@ -1344,7 +1345,7 @@
           <a:p>
             <a:fld id="{C22DA938-8F72-4C5F-85FE-680B6C16219B}" type="datetimeFigureOut">
               <a:rPr lang="de-DE" smtClean="0"/>
-              <a:t>18.12.2020</a:t>
+              <a:t>20.12.2020</a:t>
             </a:fld>
             <a:endParaRPr lang="de-DE"/>
           </a:p>
@@ -1766,7 +1767,7 @@
           <a:p>
             <a:fld id="{C22DA938-8F72-4C5F-85FE-680B6C16219B}" type="datetimeFigureOut">
               <a:rPr lang="de-DE" smtClean="0"/>
-              <a:t>18.12.2020</a:t>
+              <a:t>20.12.2020</a:t>
             </a:fld>
             <a:endParaRPr lang="de-DE"/>
           </a:p>
@@ -1884,7 +1885,7 @@
           <a:p>
             <a:fld id="{C22DA938-8F72-4C5F-85FE-680B6C16219B}" type="datetimeFigureOut">
               <a:rPr lang="de-DE" smtClean="0"/>
-              <a:t>18.12.2020</a:t>
+              <a:t>20.12.2020</a:t>
             </a:fld>
             <a:endParaRPr lang="de-DE"/>
           </a:p>
@@ -1979,7 +1980,7 @@
           <a:p>
             <a:fld id="{C22DA938-8F72-4C5F-85FE-680B6C16219B}" type="datetimeFigureOut">
               <a:rPr lang="de-DE" smtClean="0"/>
-              <a:t>18.12.2020</a:t>
+              <a:t>20.12.2020</a:t>
             </a:fld>
             <a:endParaRPr lang="de-DE"/>
           </a:p>
@@ -2256,7 +2257,7 @@
           <a:p>
             <a:fld id="{C22DA938-8F72-4C5F-85FE-680B6C16219B}" type="datetimeFigureOut">
               <a:rPr lang="de-DE" smtClean="0"/>
-              <a:t>18.12.2020</a:t>
+              <a:t>20.12.2020</a:t>
             </a:fld>
             <a:endParaRPr lang="de-DE"/>
           </a:p>
@@ -2509,7 +2510,7 @@
           <a:p>
             <a:fld id="{C22DA938-8F72-4C5F-85FE-680B6C16219B}" type="datetimeFigureOut">
               <a:rPr lang="de-DE" smtClean="0"/>
-              <a:t>18.12.2020</a:t>
+              <a:t>20.12.2020</a:t>
             </a:fld>
             <a:endParaRPr lang="de-DE"/>
           </a:p>
@@ -2722,7 +2723,7 @@
           <a:p>
             <a:fld id="{C22DA938-8F72-4C5F-85FE-680B6C16219B}" type="datetimeFigureOut">
               <a:rPr lang="de-DE" smtClean="0"/>
-              <a:t>18.12.2020</a:t>
+              <a:t>20.12.2020</a:t>
             </a:fld>
             <a:endParaRPr lang="de-DE"/>
           </a:p>
@@ -3296,10 +3297,10 @@
           <a:lstStyle/>
           <a:p>
             <a:r>
-              <a:rPr lang="de-DE" sz="1600" dirty="0" smtClean="0"/>
+              <a:rPr lang="de-DE" sz="1600" smtClean="0"/>
               <a:t>[1,0,0,0]</a:t>
             </a:r>
-            <a:endParaRPr lang="de-DE" sz="1600" dirty="0"/>
+            <a:endParaRPr lang="de-DE" sz="1600"/>
           </a:p>
         </p:txBody>
       </p:sp>
@@ -3326,18 +3327,10 @@
           <a:lstStyle/>
           <a:p>
             <a:r>
-              <a:rPr lang="de-DE" sz="1600" dirty="0" smtClean="0"/>
-              <a:t>[</a:t>
-            </a:r>
-            <a:r>
-              <a:rPr lang="de-DE" sz="1600" dirty="0" smtClean="0"/>
-              <a:t>1,1,0,0</a:t>
-            </a:r>
-            <a:r>
-              <a:rPr lang="de-DE" sz="1600" dirty="0" smtClean="0"/>
-              <a:t>]</a:t>
-            </a:r>
-            <a:endParaRPr lang="de-DE" sz="1600" dirty="0"/>
+              <a:rPr lang="de-DE" sz="1600" smtClean="0"/>
+              <a:t>[1,1,0,0]</a:t>
+            </a:r>
+            <a:endParaRPr lang="de-DE" sz="1600"/>
           </a:p>
         </p:txBody>
       </p:sp>
@@ -3400,10 +3393,10 @@
           <a:lstStyle/>
           <a:p>
             <a:r>
-              <a:rPr lang="de-DE" sz="1600" dirty="0" smtClean="0"/>
+              <a:rPr lang="de-DE" sz="1600" smtClean="0"/>
               <a:t>[0,0,1,0]</a:t>
             </a:r>
-            <a:endParaRPr lang="de-DE" sz="1600" dirty="0"/>
+            <a:endParaRPr lang="de-DE" sz="1600"/>
           </a:p>
         </p:txBody>
       </p:sp>
@@ -3430,10 +3423,10 @@
           <a:lstStyle/>
           <a:p>
             <a:r>
-              <a:rPr lang="de-DE" sz="1600" dirty="0" smtClean="0"/>
+              <a:rPr lang="de-DE" sz="1600" smtClean="0"/>
               <a:t>[0,0,1,1]</a:t>
             </a:r>
-            <a:endParaRPr lang="de-DE" sz="1600" dirty="0"/>
+            <a:endParaRPr lang="de-DE" sz="1600"/>
           </a:p>
         </p:txBody>
       </p:sp>
@@ -3490,10 +3483,10 @@
           <a:lstStyle/>
           <a:p>
             <a:r>
-              <a:rPr lang="de-DE" sz="1600" dirty="0" smtClean="0"/>
+              <a:rPr lang="de-DE" sz="1600" smtClean="0"/>
               <a:t>submit2</a:t>
             </a:r>
-            <a:endParaRPr lang="de-DE" sz="1600" dirty="0"/>
+            <a:endParaRPr lang="de-DE" sz="1600"/>
           </a:p>
         </p:txBody>
       </p:sp>
@@ -3650,10 +3643,10 @@
           <a:lstStyle/>
           <a:p>
             <a:r>
-              <a:rPr lang="de-DE" sz="1600" dirty="0" smtClean="0"/>
+              <a:rPr lang="de-DE" sz="1600" smtClean="0"/>
               <a:t>[1,2,0,0]</a:t>
             </a:r>
-            <a:endParaRPr lang="de-DE" sz="1600" dirty="0"/>
+            <a:endParaRPr lang="de-DE" sz="1600"/>
           </a:p>
         </p:txBody>
       </p:sp>
@@ -3680,10 +3673,10 @@
           <a:lstStyle/>
           <a:p>
             <a:r>
-              <a:rPr lang="de-DE" sz="1600" dirty="0" smtClean="0"/>
+              <a:rPr lang="de-DE" sz="1600" smtClean="0"/>
               <a:t>[0,0,1,2]</a:t>
             </a:r>
-            <a:endParaRPr lang="de-DE" sz="1600" dirty="0"/>
+            <a:endParaRPr lang="de-DE" sz="1600"/>
           </a:p>
         </p:txBody>
       </p:sp>
@@ -3745,10 +3738,10 @@
           <a:lstStyle/>
           <a:p>
             <a:r>
-              <a:rPr lang="de-DE" sz="1600" dirty="0" smtClean="0"/>
+              <a:rPr lang="de-DE" sz="1600" smtClean="0"/>
               <a:t>[0,0,2,2]</a:t>
             </a:r>
-            <a:endParaRPr lang="de-DE" sz="1600" dirty="0"/>
+            <a:endParaRPr lang="de-DE" sz="1600"/>
           </a:p>
         </p:txBody>
       </p:sp>
@@ -3811,10 +3804,10 @@
           <a:lstStyle/>
           <a:p>
             <a:r>
-              <a:rPr lang="de-DE" sz="1600" dirty="0" smtClean="0"/>
+              <a:rPr lang="de-DE" sz="1600" smtClean="0"/>
               <a:t>Submit2,[0,0,1,0]</a:t>
             </a:r>
-            <a:endParaRPr lang="de-DE" sz="1600" dirty="0"/>
+            <a:endParaRPr lang="de-DE" sz="1600"/>
           </a:p>
         </p:txBody>
       </p:sp>
@@ -4154,10 +4147,10 @@
           <a:lstStyle/>
           <a:p>
             <a:r>
-              <a:rPr lang="de-DE" sz="1600" dirty="0" err="1" smtClean="0"/>
+              <a:rPr lang="de-DE" sz="1600" err="1" smtClean="0"/>
               <a:t>queue</a:t>
             </a:r>
-            <a:endParaRPr lang="de-DE" dirty="0"/>
+            <a:endParaRPr lang="de-DE"/>
           </a:p>
         </p:txBody>
       </p:sp>
@@ -4184,14 +4177,10 @@
           <a:lstStyle/>
           <a:p>
             <a:r>
-              <a:rPr lang="de-DE" sz="1600" dirty="0" smtClean="0"/>
-              <a:t>[2,3,1,0</a:t>
-            </a:r>
-            <a:r>
-              <a:rPr lang="de-DE" sz="1600" dirty="0" smtClean="0"/>
-              <a:t>]</a:t>
-            </a:r>
-            <a:endParaRPr lang="de-DE" sz="1600" dirty="0"/>
+              <a:rPr lang="de-DE" sz="1600" smtClean="0"/>
+              <a:t>[2,3,1,0]</a:t>
+            </a:r>
+            <a:endParaRPr lang="de-DE" sz="1600"/>
           </a:p>
         </p:txBody>
       </p:sp>
@@ -4218,10 +4207,10 @@
           <a:lstStyle/>
           <a:p>
             <a:r>
-              <a:rPr lang="de-DE" sz="1600" dirty="0" smtClean="0"/>
+              <a:rPr lang="de-DE" sz="1600" smtClean="0"/>
               <a:t>[1,4,2,2]</a:t>
             </a:r>
-            <a:endParaRPr lang="de-DE" sz="1600" dirty="0"/>
+            <a:endParaRPr lang="de-DE" sz="1600"/>
           </a:p>
         </p:txBody>
       </p:sp>
@@ -4248,18 +4237,18 @@
           <a:lstStyle/>
           <a:p>
             <a:r>
-              <a:rPr lang="de-DE" dirty="0" err="1" smtClean="0"/>
+              <a:rPr lang="de-DE" err="1" smtClean="0"/>
               <a:t>Separated</a:t>
             </a:r>
             <a:r>
-              <a:rPr lang="de-DE" dirty="0" smtClean="0"/>
+              <a:rPr lang="de-DE" smtClean="0"/>
               <a:t> </a:t>
             </a:r>
             <a:r>
-              <a:rPr lang="de-DE" dirty="0" err="1" smtClean="0"/>
+              <a:rPr lang="de-DE" err="1" smtClean="0"/>
               <a:t>clusters</a:t>
             </a:r>
-            <a:endParaRPr lang="de-DE" dirty="0" smtClean="0"/>
+            <a:endParaRPr lang="de-DE" smtClean="0"/>
           </a:p>
         </p:txBody>
       </p:sp>
@@ -4322,14 +4311,10 @@
           <a:lstStyle/>
           <a:p>
             <a:r>
-              <a:rPr lang="de-DE" sz="1600" dirty="0" smtClean="0"/>
-              <a:t>[</a:t>
-            </a:r>
-            <a:r>
-              <a:rPr lang="de-DE" sz="1600" dirty="0" smtClean="0"/>
-              <a:t>0,0,1,1]</a:t>
-            </a:r>
-            <a:endParaRPr lang="de-DE" sz="1600" dirty="0"/>
+              <a:rPr lang="de-DE" sz="1600" smtClean="0"/>
+              <a:t>[0,0,1,1]</a:t>
+            </a:r>
+            <a:endParaRPr lang="de-DE" sz="1600"/>
           </a:p>
         </p:txBody>
       </p:sp>
@@ -4356,10 +4341,10 @@
           <a:lstStyle/>
           <a:p>
             <a:r>
-              <a:rPr lang="de-DE" sz="1600" dirty="0" err="1" smtClean="0"/>
+              <a:rPr lang="de-DE" sz="1600" err="1" smtClean="0"/>
               <a:t>ack</a:t>
             </a:r>
-            <a:endParaRPr lang="de-DE" sz="1600" dirty="0"/>
+            <a:endParaRPr lang="de-DE" sz="1600"/>
           </a:p>
         </p:txBody>
       </p:sp>
@@ -4386,10 +4371,10 @@
           <a:lstStyle/>
           <a:p>
             <a:r>
-              <a:rPr lang="de-DE" sz="1600" dirty="0" err="1" smtClean="0"/>
+              <a:rPr lang="de-DE" sz="1600" err="1" smtClean="0"/>
               <a:t>ack</a:t>
             </a:r>
-            <a:endParaRPr lang="de-DE" sz="1600" dirty="0"/>
+            <a:endParaRPr lang="de-DE" sz="1600"/>
           </a:p>
         </p:txBody>
       </p:sp>
@@ -4452,18 +4437,10 @@
           <a:lstStyle/>
           <a:p>
             <a:r>
-              <a:rPr lang="de-DE" sz="1600" dirty="0" smtClean="0"/>
-              <a:t>[</a:t>
-            </a:r>
-            <a:r>
-              <a:rPr lang="de-DE" sz="1600" dirty="0" smtClean="0"/>
-              <a:t>1,1,0,0</a:t>
-            </a:r>
-            <a:r>
-              <a:rPr lang="de-DE" sz="1600" dirty="0" smtClean="0"/>
-              <a:t>]</a:t>
-            </a:r>
-            <a:endParaRPr lang="de-DE" sz="1600" dirty="0"/>
+              <a:rPr lang="de-DE" sz="1600" smtClean="0"/>
+              <a:t>[1,1,0,0]</a:t>
+            </a:r>
+            <a:endParaRPr lang="de-DE" sz="1600"/>
           </a:p>
         </p:txBody>
       </p:sp>
@@ -4490,14 +4467,10 @@
           <a:lstStyle/>
           <a:p>
             <a:r>
-              <a:rPr lang="de-DE" sz="1600" dirty="0" smtClean="0"/>
-              <a:t>[2,2,0,0</a:t>
-            </a:r>
-            <a:r>
-              <a:rPr lang="de-DE" sz="1600" dirty="0" smtClean="0"/>
-              <a:t>]</a:t>
-            </a:r>
-            <a:endParaRPr lang="de-DE" sz="1600" dirty="0"/>
+              <a:rPr lang="de-DE" sz="1600" smtClean="0"/>
+              <a:t>[2,2,0,0]</a:t>
+            </a:r>
+            <a:endParaRPr lang="de-DE" sz="1600"/>
           </a:p>
         </p:txBody>
       </p:sp>
@@ -4560,10 +4533,10 @@
           <a:lstStyle/>
           <a:p>
             <a:r>
-              <a:rPr lang="de-DE" sz="1600" dirty="0" err="1" smtClean="0"/>
+              <a:rPr lang="de-DE" sz="1600" err="1" smtClean="0"/>
               <a:t>ack</a:t>
             </a:r>
-            <a:endParaRPr lang="de-DE" sz="1600" dirty="0"/>
+            <a:endParaRPr lang="de-DE" sz="1600"/>
           </a:p>
         </p:txBody>
       </p:sp>
@@ -4590,14 +4563,10 @@
           <a:lstStyle/>
           <a:p>
             <a:r>
-              <a:rPr lang="de-DE" sz="1600" dirty="0" smtClean="0"/>
-              <a:t>[2,2,0,0</a:t>
-            </a:r>
-            <a:r>
-              <a:rPr lang="de-DE" sz="1600" dirty="0" smtClean="0"/>
-              <a:t>]</a:t>
-            </a:r>
-            <a:endParaRPr lang="de-DE" sz="1600" dirty="0"/>
+              <a:rPr lang="de-DE" sz="1600" smtClean="0"/>
+              <a:t>[2,2,0,0]</a:t>
+            </a:r>
+            <a:endParaRPr lang="de-DE" sz="1600"/>
           </a:p>
         </p:txBody>
       </p:sp>
@@ -4660,10 +4629,10 @@
           <a:lstStyle/>
           <a:p>
             <a:r>
-              <a:rPr lang="de-DE" sz="1600" dirty="0" err="1" smtClean="0"/>
+              <a:rPr lang="de-DE" sz="1600" err="1" smtClean="0"/>
               <a:t>ack</a:t>
             </a:r>
-            <a:endParaRPr lang="de-DE" sz="1600" dirty="0"/>
+            <a:endParaRPr lang="de-DE" sz="1600"/>
           </a:p>
         </p:txBody>
       </p:sp>
@@ -4690,10 +4659,10 @@
           <a:lstStyle/>
           <a:p>
             <a:r>
-              <a:rPr lang="de-DE" sz="1600" dirty="0" smtClean="0"/>
+              <a:rPr lang="de-DE" sz="1600" smtClean="0"/>
               <a:t>[0,0,2,2]</a:t>
             </a:r>
-            <a:endParaRPr lang="de-DE" sz="1600" dirty="0"/>
+            <a:endParaRPr lang="de-DE" sz="1600"/>
           </a:p>
         </p:txBody>
       </p:sp>
@@ -4891,10 +4860,10 @@
           <a:lstStyle/>
           <a:p>
             <a:r>
-              <a:rPr lang="de-DE" sz="1600" dirty="0" smtClean="0"/>
+              <a:rPr lang="de-DE" sz="1600" smtClean="0"/>
               <a:t>[1,0,0]</a:t>
             </a:r>
-            <a:endParaRPr lang="de-DE" sz="1600" dirty="0"/>
+            <a:endParaRPr lang="de-DE" sz="1600"/>
           </a:p>
         </p:txBody>
       </p:sp>
@@ -5206,10 +5175,10 @@
           <a:lstStyle/>
           <a:p>
             <a:r>
-              <a:rPr lang="de-DE" sz="1600" dirty="0" smtClean="0"/>
+              <a:rPr lang="de-DE" sz="1600" smtClean="0"/>
               <a:t>[1,1,0]</a:t>
             </a:r>
-            <a:endParaRPr lang="de-DE" sz="1600" dirty="0"/>
+            <a:endParaRPr lang="de-DE" sz="1600"/>
           </a:p>
         </p:txBody>
       </p:sp>
@@ -5236,10 +5205,10 @@
           <a:lstStyle/>
           <a:p>
             <a:r>
-              <a:rPr lang="de-DE" sz="1600" dirty="0" smtClean="0"/>
+              <a:rPr lang="de-DE" sz="1600" smtClean="0"/>
               <a:t>[1,0,1]</a:t>
             </a:r>
-            <a:endParaRPr lang="de-DE" sz="1600" dirty="0"/>
+            <a:endParaRPr lang="de-DE" sz="1600"/>
           </a:p>
         </p:txBody>
       </p:sp>
@@ -5338,14 +5307,10 @@
           <a:lstStyle/>
           <a:p>
             <a:r>
-              <a:rPr lang="de-DE" sz="1600" dirty="0" smtClean="0"/>
-              <a:t>[</a:t>
-            </a:r>
-            <a:r>
-              <a:rPr lang="de-DE" sz="1600" dirty="0" smtClean="0"/>
-              <a:t>1,1,1]</a:t>
-            </a:r>
-            <a:endParaRPr lang="de-DE" sz="1600" dirty="0"/>
+              <a:rPr lang="de-DE" sz="1600" smtClean="0"/>
+              <a:t>[1,1,1]</a:t>
+            </a:r>
+            <a:endParaRPr lang="de-DE" sz="1600"/>
           </a:p>
         </p:txBody>
       </p:sp>
@@ -5372,10 +5337,10 @@
           <a:lstStyle/>
           <a:p>
             <a:r>
-              <a:rPr lang="de-DE" sz="1600" dirty="0" smtClean="0"/>
+              <a:rPr lang="de-DE" sz="1600" smtClean="0"/>
               <a:t>[1,0,2]</a:t>
             </a:r>
-            <a:endParaRPr lang="de-DE" sz="1600" dirty="0"/>
+            <a:endParaRPr lang="de-DE" sz="1600"/>
           </a:p>
         </p:txBody>
       </p:sp>
@@ -5402,14 +5367,10 @@
           <a:lstStyle/>
           <a:p>
             <a:r>
-              <a:rPr lang="de-DE" sz="1600" dirty="0" smtClean="0"/>
-              <a:t>[</a:t>
-            </a:r>
-            <a:r>
-              <a:rPr lang="de-DE" sz="1600" dirty="0" smtClean="0"/>
-              <a:t>2,2,1]</a:t>
-            </a:r>
-            <a:endParaRPr lang="de-DE" sz="1600" dirty="0"/>
+              <a:rPr lang="de-DE" sz="1600" smtClean="0"/>
+              <a:t>[2,2,1]</a:t>
+            </a:r>
+            <a:endParaRPr lang="de-DE" sz="1600"/>
           </a:p>
         </p:txBody>
       </p:sp>
@@ -5474,18 +5435,18 @@
           <a:lstStyle/>
           <a:p>
             <a:r>
-              <a:rPr lang="de-DE" sz="1600" dirty="0" smtClean="0"/>
+              <a:rPr lang="de-DE" sz="1600" smtClean="0"/>
               <a:t>[</a:t>
             </a:r>
             <a:r>
-              <a:rPr lang="de-DE" sz="1600" dirty="0"/>
+              <a:rPr lang="de-DE" sz="1600"/>
               <a:t>3</a:t>
             </a:r>
             <a:r>
-              <a:rPr lang="de-DE" sz="1600" dirty="0" smtClean="0"/>
+              <a:rPr lang="de-DE" sz="1600" smtClean="0"/>
               <a:t>,2,2]</a:t>
             </a:r>
-            <a:endParaRPr lang="de-DE" sz="1600" dirty="0"/>
+            <a:endParaRPr lang="de-DE" sz="1600"/>
           </a:p>
         </p:txBody>
       </p:sp>
@@ -5579,18 +5540,18 @@
           <a:lstStyle/>
           <a:p>
             <a:r>
-              <a:rPr lang="de-DE" dirty="0" err="1" smtClean="0"/>
+              <a:rPr lang="de-DE" err="1" smtClean="0"/>
               <a:t>Concurrent</a:t>
             </a:r>
             <a:r>
-              <a:rPr lang="de-DE" dirty="0" smtClean="0"/>
+              <a:rPr lang="de-DE" smtClean="0"/>
               <a:t> </a:t>
             </a:r>
             <a:r>
-              <a:rPr lang="de-DE" dirty="0" err="1" smtClean="0"/>
+              <a:rPr lang="de-DE" err="1" smtClean="0"/>
               <a:t>modify</a:t>
             </a:r>
-            <a:endParaRPr lang="de-DE" dirty="0"/>
+            <a:endParaRPr lang="de-DE"/>
           </a:p>
         </p:txBody>
       </p:sp>
@@ -5617,10 +5578,10 @@
           <a:lstStyle/>
           <a:p>
             <a:r>
-              <a:rPr lang="de-DE" sz="1600" dirty="0" smtClean="0"/>
+              <a:rPr lang="de-DE" sz="1600" smtClean="0"/>
               <a:t>[1,3,2]</a:t>
             </a:r>
-            <a:endParaRPr lang="de-DE" sz="1600" dirty="0"/>
+            <a:endParaRPr lang="de-DE" sz="1600"/>
           </a:p>
         </p:txBody>
       </p:sp>
@@ -5647,10 +5608,10 @@
           <a:lstStyle/>
           <a:p>
             <a:r>
-              <a:rPr lang="de-DE" sz="1600" dirty="0" smtClean="0"/>
+              <a:rPr lang="de-DE" sz="1600" smtClean="0"/>
               <a:t>[1,2,3]</a:t>
             </a:r>
-            <a:endParaRPr lang="de-DE" sz="1600" dirty="0"/>
+            <a:endParaRPr lang="de-DE" sz="1600"/>
           </a:p>
         </p:txBody>
       </p:sp>
@@ -5677,10 +5638,10 @@
           <a:lstStyle/>
           <a:p>
             <a:r>
-              <a:rPr lang="de-DE" sz="1600" dirty="0" err="1" smtClean="0"/>
+              <a:rPr lang="de-DE" sz="1600" err="1" smtClean="0"/>
               <a:t>ack</a:t>
             </a:r>
-            <a:endParaRPr lang="de-DE" sz="1600" dirty="0"/>
+            <a:endParaRPr lang="de-DE" sz="1600"/>
           </a:p>
         </p:txBody>
       </p:sp>
@@ -5743,10 +5704,10 @@
           <a:lstStyle/>
           <a:p>
             <a:r>
-              <a:rPr lang="de-DE" sz="1600" dirty="0" err="1" smtClean="0"/>
+              <a:rPr lang="de-DE" sz="1600" err="1" smtClean="0"/>
               <a:t>ack</a:t>
             </a:r>
-            <a:endParaRPr lang="de-DE" sz="1600" dirty="0"/>
+            <a:endParaRPr lang="de-DE" sz="1600"/>
           </a:p>
         </p:txBody>
       </p:sp>
@@ -5847,10 +5808,10 @@
           <a:lstStyle/>
           <a:p>
             <a:r>
-              <a:rPr lang="de-DE" sz="1600" dirty="0" err="1" smtClean="0"/>
+              <a:rPr lang="de-DE" sz="1600" err="1" smtClean="0"/>
               <a:t>ack</a:t>
             </a:r>
-            <a:endParaRPr lang="de-DE" sz="1600" dirty="0"/>
+            <a:endParaRPr lang="de-DE" sz="1600"/>
           </a:p>
         </p:txBody>
       </p:sp>
@@ -5877,18 +5838,10 @@
           <a:lstStyle/>
           <a:p>
             <a:r>
-              <a:rPr lang="de-DE" sz="1600" dirty="0" smtClean="0"/>
-              <a:t>[</a:t>
-            </a:r>
-            <a:r>
-              <a:rPr lang="de-DE" sz="1600" dirty="0" smtClean="0"/>
-              <a:t>1,2,0</a:t>
-            </a:r>
-            <a:r>
-              <a:rPr lang="de-DE" sz="1600" dirty="0" smtClean="0"/>
-              <a:t>]</a:t>
-            </a:r>
-            <a:endParaRPr lang="de-DE" sz="1600" dirty="0"/>
+              <a:rPr lang="de-DE" sz="1600" smtClean="0"/>
+              <a:t>[1,2,0]</a:t>
+            </a:r>
+            <a:endParaRPr lang="de-DE" sz="1600"/>
           </a:p>
         </p:txBody>
       </p:sp>
@@ -6051,10 +6004,10 @@
           <a:lstStyle/>
           <a:p>
             <a:r>
-              <a:rPr lang="de-DE" sz="1600" dirty="0" smtClean="0"/>
+              <a:rPr lang="de-DE" sz="1600" smtClean="0"/>
               <a:t>[1,0]</a:t>
             </a:r>
-            <a:endParaRPr lang="de-DE" sz="1600" dirty="0"/>
+            <a:endParaRPr lang="de-DE" sz="1600"/>
           </a:p>
         </p:txBody>
       </p:sp>
@@ -6081,14 +6034,10 @@
           <a:lstStyle/>
           <a:p>
             <a:r>
-              <a:rPr lang="de-DE" sz="1600" dirty="0" smtClean="0"/>
-              <a:t>[</a:t>
-            </a:r>
-            <a:r>
-              <a:rPr lang="de-DE" sz="1600" dirty="0" smtClean="0"/>
-              <a:t>1,1]</a:t>
-            </a:r>
-            <a:endParaRPr lang="de-DE" sz="1600" dirty="0"/>
+              <a:rPr lang="de-DE" sz="1600" smtClean="0"/>
+              <a:t>[1,1]</a:t>
+            </a:r>
+            <a:endParaRPr lang="de-DE" sz="1600"/>
           </a:p>
         </p:txBody>
       </p:sp>
@@ -6181,18 +6130,18 @@
           <a:lstStyle/>
           <a:p>
             <a:r>
-              <a:rPr lang="de-DE" sz="1600" dirty="0" smtClean="0"/>
+              <a:rPr lang="de-DE" sz="1600" smtClean="0"/>
               <a:t>[</a:t>
             </a:r>
             <a:r>
-              <a:rPr lang="de-DE" sz="1600" dirty="0"/>
+              <a:rPr lang="de-DE" sz="1600"/>
               <a:t>2</a:t>
             </a:r>
             <a:r>
-              <a:rPr lang="de-DE" sz="1600" dirty="0" smtClean="0"/>
+              <a:rPr lang="de-DE" sz="1600" smtClean="0"/>
               <a:t>,2]</a:t>
             </a:r>
-            <a:endParaRPr lang="de-DE" sz="1600" dirty="0"/>
+            <a:endParaRPr lang="de-DE" sz="1600"/>
           </a:p>
         </p:txBody>
       </p:sp>
@@ -6305,10 +6254,10 @@
           <a:lstStyle/>
           <a:p>
             <a:r>
-              <a:rPr lang="de-DE" sz="1600" dirty="0" smtClean="0"/>
+              <a:rPr lang="de-DE" sz="1600" smtClean="0"/>
               <a:t>[2,0]</a:t>
             </a:r>
-            <a:endParaRPr lang="de-DE" sz="1600" dirty="0"/>
+            <a:endParaRPr lang="de-DE" sz="1600"/>
           </a:p>
         </p:txBody>
       </p:sp>
@@ -6418,6 +6367,2056 @@
     <p:extLst>
       <p:ext uri="{BB962C8B-B14F-4D97-AF65-F5344CB8AC3E}">
         <p14:creationId xmlns:p14="http://schemas.microsoft.com/office/powerpoint/2010/main" val="3556925523"/>
+      </p:ext>
+    </p:extLst>
+  </p:cSld>
+  <p:clrMapOvr>
+    <a:masterClrMapping/>
+  </p:clrMapOvr>
+</p:sld>
+</file>
+
+<file path=ppt/slides/slide4.xml><?xml version="1.0" encoding="utf-8"?>
+<p:sld xmlns:a="http://schemas.openxmlformats.org/drawingml/2006/main" xmlns:r="http://schemas.openxmlformats.org/officeDocument/2006/relationships" xmlns:p="http://schemas.openxmlformats.org/presentationml/2006/main">
+  <p:cSld>
+    <p:spTree>
+      <p:nvGrpSpPr>
+        <p:cNvPr id="1" name=""/>
+        <p:cNvGrpSpPr/>
+        <p:nvPr/>
+      </p:nvGrpSpPr>
+      <p:grpSpPr>
+        <a:xfrm>
+          <a:off x="0" y="0"/>
+          <a:ext cx="0" cy="0"/>
+          <a:chOff x="0" y="0"/>
+          <a:chExt cx="0" cy="0"/>
+        </a:xfrm>
+      </p:grpSpPr>
+      <p:graphicFrame>
+        <p:nvGraphicFramePr>
+          <p:cNvPr id="2" name="Tabelle 1"/>
+          <p:cNvGraphicFramePr>
+            <a:graphicFrameLocks noGrp="1"/>
+          </p:cNvGraphicFramePr>
+          <p:nvPr>
+            <p:extLst>
+              <p:ext uri="{D42A27DB-BD31-4B8C-83A1-F6EECF244321}">
+                <p14:modId xmlns:p14="http://schemas.microsoft.com/office/powerpoint/2010/main" val="3255800236"/>
+              </p:ext>
+            </p:extLst>
+          </p:nvPr>
+        </p:nvGraphicFramePr>
+        <p:xfrm>
+          <a:off x="107504" y="620688"/>
+          <a:ext cx="2088232" cy="1326513"/>
+        </p:xfrm>
+        <a:graphic>
+          <a:graphicData uri="http://schemas.openxmlformats.org/drawingml/2006/table">
+            <a:tbl>
+              <a:tblPr firstRow="1" bandRow="1">
+                <a:tableStyleId>{5C22544A-7EE6-4342-B048-85BDC9FD1C3A}</a:tableStyleId>
+              </a:tblPr>
+              <a:tblGrid>
+                <a:gridCol w="1044116"/>
+                <a:gridCol w="522058"/>
+                <a:gridCol w="522058"/>
+              </a:tblGrid>
+              <a:tr h="498421">
+                <a:tc>
+                  <a:txBody>
+                    <a:bodyPr/>
+                    <a:lstStyle/>
+                    <a:p>
+                      <a:r>
+                        <a:rPr lang="de-DE" sz="1600" smtClean="0"/>
+                        <a:t>v_clock</a:t>
+                      </a:r>
+                      <a:endParaRPr lang="de-DE" sz="1600"/>
+                    </a:p>
+                  </a:txBody>
+                  <a:tcPr/>
+                </a:tc>
+                <a:tc>
+                  <a:txBody>
+                    <a:bodyPr/>
+                    <a:lstStyle/>
+                    <a:p>
+                      <a:r>
+                        <a:rPr lang="de-DE" sz="1600" err="1" smtClean="0"/>
+                        <a:t>id</a:t>
+                      </a:r>
+                      <a:endParaRPr lang="de-DE" sz="1600"/>
+                    </a:p>
+                  </a:txBody>
+                  <a:tcPr/>
+                </a:tc>
+                <a:tc>
+                  <a:txBody>
+                    <a:bodyPr/>
+                    <a:lstStyle/>
+                    <a:p>
+                      <a:r>
+                        <a:rPr lang="de-DE" sz="1600" smtClean="0"/>
+                        <a:t>ent.</a:t>
+                      </a:r>
+                      <a:endParaRPr lang="de-DE" sz="1600"/>
+                    </a:p>
+                  </a:txBody>
+                  <a:tcPr/>
+                </a:tc>
+              </a:tr>
+              <a:tr h="498421">
+                <a:tc>
+                  <a:txBody>
+                    <a:bodyPr/>
+                    <a:lstStyle/>
+                    <a:p>
+                      <a:r>
+                        <a:rPr lang="de-DE" sz="1400" smtClean="0"/>
+                        <a:t>[1,0,0,0]</a:t>
+                      </a:r>
+                      <a:endParaRPr lang="de-DE" sz="1400"/>
+                    </a:p>
+                  </a:txBody>
+                  <a:tcPr/>
+                </a:tc>
+                <a:tc>
+                  <a:txBody>
+                    <a:bodyPr/>
+                    <a:lstStyle/>
+                    <a:p>
+                      <a:r>
+                        <a:rPr lang="de-DE" sz="1400" smtClean="0"/>
+                        <a:t>1,1</a:t>
+                      </a:r>
+                      <a:endParaRPr lang="de-DE" sz="1400"/>
+                    </a:p>
+                  </a:txBody>
+                  <a:tcPr/>
+                </a:tc>
+                <a:tc>
+                  <a:txBody>
+                    <a:bodyPr/>
+                    <a:lstStyle/>
+                    <a:p>
+                      <a:r>
+                        <a:rPr lang="de-DE" sz="1400" smtClean="0"/>
+                        <a:t>sub</a:t>
+                      </a:r>
+                      <a:endParaRPr lang="de-DE" sz="1400"/>
+                    </a:p>
+                  </a:txBody>
+                  <a:tcPr/>
+                </a:tc>
+              </a:tr>
+              <a:tr h="329671">
+                <a:tc>
+                  <a:txBody>
+                    <a:bodyPr/>
+                    <a:lstStyle/>
+                    <a:p>
+                      <a:endParaRPr lang="de-DE" sz="1400"/>
+                    </a:p>
+                  </a:txBody>
+                  <a:tcPr/>
+                </a:tc>
+                <a:tc>
+                  <a:txBody>
+                    <a:bodyPr/>
+                    <a:lstStyle/>
+                    <a:p>
+                      <a:endParaRPr lang="de-DE" sz="1400"/>
+                    </a:p>
+                  </a:txBody>
+                  <a:tcPr/>
+                </a:tc>
+                <a:tc>
+                  <a:txBody>
+                    <a:bodyPr/>
+                    <a:lstStyle/>
+                    <a:p>
+                      <a:endParaRPr lang="de-DE" sz="1400"/>
+                    </a:p>
+                  </a:txBody>
+                  <a:tcPr/>
+                </a:tc>
+              </a:tr>
+            </a:tbl>
+          </a:graphicData>
+        </a:graphic>
+      </p:graphicFrame>
+      <p:sp>
+        <p:nvSpPr>
+          <p:cNvPr id="3" name="Textfeld 2"/>
+          <p:cNvSpPr txBox="1"/>
+          <p:nvPr/>
+        </p:nvSpPr>
+        <p:spPr>
+          <a:xfrm>
+            <a:off x="935596" y="202797"/>
+            <a:ext cx="792088" cy="369332"/>
+          </a:xfrm>
+          <a:prstGeom prst="rect">
+            <a:avLst/>
+          </a:prstGeom>
+          <a:noFill/>
+        </p:spPr>
+        <p:txBody>
+          <a:bodyPr wrap="square" rtlCol="0">
+            <a:spAutoFit/>
+          </a:bodyPr>
+          <a:lstStyle/>
+          <a:p>
+            <a:r>
+              <a:rPr lang="de-DE" smtClean="0"/>
+              <a:t>1</a:t>
+            </a:r>
+            <a:endParaRPr lang="de-DE"/>
+          </a:p>
+        </p:txBody>
+      </p:sp>
+      <p:sp>
+        <p:nvSpPr>
+          <p:cNvPr id="23" name="Textfeld 22"/>
+          <p:cNvSpPr txBox="1"/>
+          <p:nvPr/>
+        </p:nvSpPr>
+        <p:spPr>
+          <a:xfrm>
+            <a:off x="2627784" y="202797"/>
+            <a:ext cx="792088" cy="369332"/>
+          </a:xfrm>
+          <a:prstGeom prst="rect">
+            <a:avLst/>
+          </a:prstGeom>
+          <a:noFill/>
+        </p:spPr>
+        <p:txBody>
+          <a:bodyPr wrap="square" rtlCol="0">
+            <a:spAutoFit/>
+          </a:bodyPr>
+          <a:lstStyle/>
+          <a:p>
+            <a:r>
+              <a:rPr lang="de-DE" smtClean="0"/>
+              <a:t>2</a:t>
+            </a:r>
+            <a:endParaRPr lang="de-DE"/>
+          </a:p>
+        </p:txBody>
+      </p:sp>
+      <p:sp>
+        <p:nvSpPr>
+          <p:cNvPr id="24" name="Textfeld 23"/>
+          <p:cNvSpPr txBox="1"/>
+          <p:nvPr/>
+        </p:nvSpPr>
+        <p:spPr>
+          <a:xfrm>
+            <a:off x="5004048" y="202797"/>
+            <a:ext cx="792088" cy="369332"/>
+          </a:xfrm>
+          <a:prstGeom prst="rect">
+            <a:avLst/>
+          </a:prstGeom>
+          <a:noFill/>
+        </p:spPr>
+        <p:txBody>
+          <a:bodyPr wrap="square" rtlCol="0">
+            <a:spAutoFit/>
+          </a:bodyPr>
+          <a:lstStyle/>
+          <a:p>
+            <a:r>
+              <a:rPr lang="de-DE" smtClean="0"/>
+              <a:t>3</a:t>
+            </a:r>
+            <a:endParaRPr lang="de-DE"/>
+          </a:p>
+        </p:txBody>
+      </p:sp>
+      <p:sp>
+        <p:nvSpPr>
+          <p:cNvPr id="26" name="Textfeld 25"/>
+          <p:cNvSpPr txBox="1"/>
+          <p:nvPr/>
+        </p:nvSpPr>
+        <p:spPr>
+          <a:xfrm>
+            <a:off x="7092280" y="202797"/>
+            <a:ext cx="792088" cy="369332"/>
+          </a:xfrm>
+          <a:prstGeom prst="rect">
+            <a:avLst/>
+          </a:prstGeom>
+          <a:noFill/>
+        </p:spPr>
+        <p:txBody>
+          <a:bodyPr wrap="square" rtlCol="0">
+            <a:spAutoFit/>
+          </a:bodyPr>
+          <a:lstStyle/>
+          <a:p>
+            <a:r>
+              <a:rPr lang="de-DE" smtClean="0"/>
+              <a:t>4</a:t>
+            </a:r>
+            <a:endParaRPr lang="de-DE"/>
+          </a:p>
+        </p:txBody>
+      </p:sp>
+      <p:graphicFrame>
+        <p:nvGraphicFramePr>
+          <p:cNvPr id="27" name="Tabelle 26"/>
+          <p:cNvGraphicFramePr>
+            <a:graphicFrameLocks noGrp="1"/>
+          </p:cNvGraphicFramePr>
+          <p:nvPr>
+            <p:extLst>
+              <p:ext uri="{D42A27DB-BD31-4B8C-83A1-F6EECF244321}">
+                <p14:modId xmlns:p14="http://schemas.microsoft.com/office/powerpoint/2010/main" val="3171894565"/>
+              </p:ext>
+            </p:extLst>
+          </p:nvPr>
+        </p:nvGraphicFramePr>
+        <p:xfrm>
+          <a:off x="2267744" y="620688"/>
+          <a:ext cx="2088232" cy="1326513"/>
+        </p:xfrm>
+        <a:graphic>
+          <a:graphicData uri="http://schemas.openxmlformats.org/drawingml/2006/table">
+            <a:tbl>
+              <a:tblPr firstRow="1" bandRow="1">
+                <a:tableStyleId>{5C22544A-7EE6-4342-B048-85BDC9FD1C3A}</a:tableStyleId>
+              </a:tblPr>
+              <a:tblGrid>
+                <a:gridCol w="1044116"/>
+                <a:gridCol w="522058"/>
+                <a:gridCol w="522058"/>
+              </a:tblGrid>
+              <a:tr h="498421">
+                <a:tc>
+                  <a:txBody>
+                    <a:bodyPr/>
+                    <a:lstStyle/>
+                    <a:p>
+                      <a:r>
+                        <a:rPr lang="de-DE" sz="1600" smtClean="0"/>
+                        <a:t>v_clock</a:t>
+                      </a:r>
+                      <a:endParaRPr lang="de-DE" sz="1600"/>
+                    </a:p>
+                  </a:txBody>
+                  <a:tcPr/>
+                </a:tc>
+                <a:tc>
+                  <a:txBody>
+                    <a:bodyPr/>
+                    <a:lstStyle/>
+                    <a:p>
+                      <a:r>
+                        <a:rPr lang="de-DE" sz="1600" err="1" smtClean="0"/>
+                        <a:t>id</a:t>
+                      </a:r>
+                      <a:endParaRPr lang="de-DE" sz="1600"/>
+                    </a:p>
+                  </a:txBody>
+                  <a:tcPr/>
+                </a:tc>
+                <a:tc>
+                  <a:txBody>
+                    <a:bodyPr/>
+                    <a:lstStyle/>
+                    <a:p>
+                      <a:r>
+                        <a:rPr lang="de-DE" sz="1600" smtClean="0"/>
+                        <a:t>ent.</a:t>
+                      </a:r>
+                      <a:endParaRPr lang="de-DE" sz="1600"/>
+                    </a:p>
+                  </a:txBody>
+                  <a:tcPr/>
+                </a:tc>
+              </a:tr>
+              <a:tr h="498421">
+                <a:tc>
+                  <a:txBody>
+                    <a:bodyPr/>
+                    <a:lstStyle/>
+                    <a:p>
+                      <a:r>
+                        <a:rPr lang="de-DE" sz="1400" smtClean="0"/>
+                        <a:t>[1,1,0,0]</a:t>
+                      </a:r>
+                      <a:endParaRPr lang="de-DE" sz="1400"/>
+                    </a:p>
+                  </a:txBody>
+                  <a:tcPr/>
+                </a:tc>
+                <a:tc>
+                  <a:txBody>
+                    <a:bodyPr/>
+                    <a:lstStyle/>
+                    <a:p>
+                      <a:r>
+                        <a:rPr lang="de-DE" sz="1400" smtClean="0"/>
+                        <a:t>1,1</a:t>
+                      </a:r>
+                      <a:endParaRPr lang="de-DE" sz="1400"/>
+                    </a:p>
+                  </a:txBody>
+                  <a:tcPr/>
+                </a:tc>
+                <a:tc>
+                  <a:txBody>
+                    <a:bodyPr/>
+                    <a:lstStyle/>
+                    <a:p>
+                      <a:r>
+                        <a:rPr lang="de-DE" sz="1400" smtClean="0"/>
+                        <a:t>sub</a:t>
+                      </a:r>
+                      <a:endParaRPr lang="de-DE" sz="1400"/>
+                    </a:p>
+                  </a:txBody>
+                  <a:tcPr/>
+                </a:tc>
+              </a:tr>
+              <a:tr h="329671">
+                <a:tc>
+                  <a:txBody>
+                    <a:bodyPr/>
+                    <a:lstStyle/>
+                    <a:p>
+                      <a:endParaRPr lang="de-DE" sz="1400"/>
+                    </a:p>
+                  </a:txBody>
+                  <a:tcPr/>
+                </a:tc>
+                <a:tc>
+                  <a:txBody>
+                    <a:bodyPr/>
+                    <a:lstStyle/>
+                    <a:p>
+                      <a:endParaRPr lang="de-DE" sz="1400"/>
+                    </a:p>
+                  </a:txBody>
+                  <a:tcPr/>
+                </a:tc>
+                <a:tc>
+                  <a:txBody>
+                    <a:bodyPr/>
+                    <a:lstStyle/>
+                    <a:p>
+                      <a:endParaRPr lang="de-DE" sz="1400"/>
+                    </a:p>
+                  </a:txBody>
+                  <a:tcPr/>
+                </a:tc>
+              </a:tr>
+            </a:tbl>
+          </a:graphicData>
+        </a:graphic>
+      </p:graphicFrame>
+      <p:graphicFrame>
+        <p:nvGraphicFramePr>
+          <p:cNvPr id="28" name="Tabelle 27"/>
+          <p:cNvGraphicFramePr>
+            <a:graphicFrameLocks noGrp="1"/>
+          </p:cNvGraphicFramePr>
+          <p:nvPr>
+            <p:extLst>
+              <p:ext uri="{D42A27DB-BD31-4B8C-83A1-F6EECF244321}">
+                <p14:modId xmlns:p14="http://schemas.microsoft.com/office/powerpoint/2010/main" val="3081386861"/>
+              </p:ext>
+            </p:extLst>
+          </p:nvPr>
+        </p:nvGraphicFramePr>
+        <p:xfrm>
+          <a:off x="4644008" y="620688"/>
+          <a:ext cx="2088232" cy="1326513"/>
+        </p:xfrm>
+        <a:graphic>
+          <a:graphicData uri="http://schemas.openxmlformats.org/drawingml/2006/table">
+            <a:tbl>
+              <a:tblPr firstRow="1" bandRow="1">
+                <a:tableStyleId>{5C22544A-7EE6-4342-B048-85BDC9FD1C3A}</a:tableStyleId>
+              </a:tblPr>
+              <a:tblGrid>
+                <a:gridCol w="1044116"/>
+                <a:gridCol w="522058"/>
+                <a:gridCol w="522058"/>
+              </a:tblGrid>
+              <a:tr h="498421">
+                <a:tc>
+                  <a:txBody>
+                    <a:bodyPr/>
+                    <a:lstStyle/>
+                    <a:p>
+                      <a:r>
+                        <a:rPr lang="de-DE" sz="1600" smtClean="0"/>
+                        <a:t>v_clock</a:t>
+                      </a:r>
+                      <a:endParaRPr lang="de-DE" sz="1600"/>
+                    </a:p>
+                  </a:txBody>
+                  <a:tcPr/>
+                </a:tc>
+                <a:tc>
+                  <a:txBody>
+                    <a:bodyPr/>
+                    <a:lstStyle/>
+                    <a:p>
+                      <a:r>
+                        <a:rPr lang="de-DE" sz="1600" err="1" smtClean="0"/>
+                        <a:t>id</a:t>
+                      </a:r>
+                      <a:endParaRPr lang="de-DE" sz="1600"/>
+                    </a:p>
+                  </a:txBody>
+                  <a:tcPr/>
+                </a:tc>
+                <a:tc>
+                  <a:txBody>
+                    <a:bodyPr/>
+                    <a:lstStyle/>
+                    <a:p>
+                      <a:r>
+                        <a:rPr lang="de-DE" sz="1600" smtClean="0"/>
+                        <a:t>ent.</a:t>
+                      </a:r>
+                      <a:endParaRPr lang="de-DE" sz="1600"/>
+                    </a:p>
+                  </a:txBody>
+                  <a:tcPr/>
+                </a:tc>
+              </a:tr>
+              <a:tr h="498421">
+                <a:tc>
+                  <a:txBody>
+                    <a:bodyPr/>
+                    <a:lstStyle/>
+                    <a:p>
+                      <a:r>
+                        <a:rPr lang="de-DE" sz="1400" smtClean="0"/>
+                        <a:t>[0,0,1,0]</a:t>
+                      </a:r>
+                      <a:endParaRPr lang="de-DE" sz="1400"/>
+                    </a:p>
+                  </a:txBody>
+                  <a:tcPr/>
+                </a:tc>
+                <a:tc>
+                  <a:txBody>
+                    <a:bodyPr/>
+                    <a:lstStyle/>
+                    <a:p>
+                      <a:r>
+                        <a:rPr lang="de-DE" sz="1400" smtClean="0"/>
+                        <a:t>3,1</a:t>
+                      </a:r>
+                      <a:endParaRPr lang="de-DE" sz="1400"/>
+                    </a:p>
+                  </a:txBody>
+                  <a:tcPr/>
+                </a:tc>
+                <a:tc>
+                  <a:txBody>
+                    <a:bodyPr/>
+                    <a:lstStyle/>
+                    <a:p>
+                      <a:r>
+                        <a:rPr lang="de-DE" sz="1400" smtClean="0"/>
+                        <a:t>sub</a:t>
+                      </a:r>
+                      <a:endParaRPr lang="de-DE" sz="1400"/>
+                    </a:p>
+                  </a:txBody>
+                  <a:tcPr/>
+                </a:tc>
+              </a:tr>
+              <a:tr h="329671">
+                <a:tc>
+                  <a:txBody>
+                    <a:bodyPr/>
+                    <a:lstStyle/>
+                    <a:p>
+                      <a:endParaRPr lang="de-DE" sz="1400"/>
+                    </a:p>
+                  </a:txBody>
+                  <a:tcPr/>
+                </a:tc>
+                <a:tc>
+                  <a:txBody>
+                    <a:bodyPr/>
+                    <a:lstStyle/>
+                    <a:p>
+                      <a:endParaRPr lang="de-DE" sz="1400"/>
+                    </a:p>
+                  </a:txBody>
+                  <a:tcPr/>
+                </a:tc>
+                <a:tc>
+                  <a:txBody>
+                    <a:bodyPr/>
+                    <a:lstStyle/>
+                    <a:p>
+                      <a:endParaRPr lang="de-DE" sz="1400"/>
+                    </a:p>
+                  </a:txBody>
+                  <a:tcPr/>
+                </a:tc>
+              </a:tr>
+            </a:tbl>
+          </a:graphicData>
+        </a:graphic>
+      </p:graphicFrame>
+      <p:graphicFrame>
+        <p:nvGraphicFramePr>
+          <p:cNvPr id="29" name="Tabelle 28"/>
+          <p:cNvGraphicFramePr>
+            <a:graphicFrameLocks noGrp="1"/>
+          </p:cNvGraphicFramePr>
+          <p:nvPr>
+            <p:extLst>
+              <p:ext uri="{D42A27DB-BD31-4B8C-83A1-F6EECF244321}">
+                <p14:modId xmlns:p14="http://schemas.microsoft.com/office/powerpoint/2010/main" val="2265142580"/>
+              </p:ext>
+            </p:extLst>
+          </p:nvPr>
+        </p:nvGraphicFramePr>
+        <p:xfrm>
+          <a:off x="6840252" y="620688"/>
+          <a:ext cx="2088232" cy="1326513"/>
+        </p:xfrm>
+        <a:graphic>
+          <a:graphicData uri="http://schemas.openxmlformats.org/drawingml/2006/table">
+            <a:tbl>
+              <a:tblPr firstRow="1" bandRow="1">
+                <a:tableStyleId>{5C22544A-7EE6-4342-B048-85BDC9FD1C3A}</a:tableStyleId>
+              </a:tblPr>
+              <a:tblGrid>
+                <a:gridCol w="1044116"/>
+                <a:gridCol w="522058"/>
+                <a:gridCol w="522058"/>
+              </a:tblGrid>
+              <a:tr h="498421">
+                <a:tc>
+                  <a:txBody>
+                    <a:bodyPr/>
+                    <a:lstStyle/>
+                    <a:p>
+                      <a:r>
+                        <a:rPr lang="de-DE" sz="1600" smtClean="0"/>
+                        <a:t>v_clock</a:t>
+                      </a:r>
+                      <a:endParaRPr lang="de-DE" sz="1600"/>
+                    </a:p>
+                  </a:txBody>
+                  <a:tcPr/>
+                </a:tc>
+                <a:tc>
+                  <a:txBody>
+                    <a:bodyPr/>
+                    <a:lstStyle/>
+                    <a:p>
+                      <a:r>
+                        <a:rPr lang="de-DE" sz="1600" err="1" smtClean="0"/>
+                        <a:t>id</a:t>
+                      </a:r>
+                      <a:endParaRPr lang="de-DE" sz="1600"/>
+                    </a:p>
+                  </a:txBody>
+                  <a:tcPr/>
+                </a:tc>
+                <a:tc>
+                  <a:txBody>
+                    <a:bodyPr/>
+                    <a:lstStyle/>
+                    <a:p>
+                      <a:r>
+                        <a:rPr lang="de-DE" sz="1600" smtClean="0"/>
+                        <a:t>ent.</a:t>
+                      </a:r>
+                      <a:endParaRPr lang="de-DE" sz="1600"/>
+                    </a:p>
+                  </a:txBody>
+                  <a:tcPr/>
+                </a:tc>
+              </a:tr>
+              <a:tr h="498421">
+                <a:tc>
+                  <a:txBody>
+                    <a:bodyPr/>
+                    <a:lstStyle/>
+                    <a:p>
+                      <a:r>
+                        <a:rPr lang="de-DE" sz="1400" smtClean="0"/>
+                        <a:t>[0,0,1,1]</a:t>
+                      </a:r>
+                      <a:endParaRPr lang="de-DE" sz="1400"/>
+                    </a:p>
+                  </a:txBody>
+                  <a:tcPr/>
+                </a:tc>
+                <a:tc>
+                  <a:txBody>
+                    <a:bodyPr/>
+                    <a:lstStyle/>
+                    <a:p>
+                      <a:r>
+                        <a:rPr lang="de-DE" sz="1400" smtClean="0"/>
+                        <a:t>3,1</a:t>
+                      </a:r>
+                      <a:endParaRPr lang="de-DE" sz="1400"/>
+                    </a:p>
+                  </a:txBody>
+                  <a:tcPr/>
+                </a:tc>
+                <a:tc>
+                  <a:txBody>
+                    <a:bodyPr/>
+                    <a:lstStyle/>
+                    <a:p>
+                      <a:r>
+                        <a:rPr lang="de-DE" sz="1400" smtClean="0"/>
+                        <a:t>sub</a:t>
+                      </a:r>
+                      <a:endParaRPr lang="de-DE" sz="1400"/>
+                    </a:p>
+                  </a:txBody>
+                  <a:tcPr/>
+                </a:tc>
+              </a:tr>
+              <a:tr h="329671">
+                <a:tc>
+                  <a:txBody>
+                    <a:bodyPr/>
+                    <a:lstStyle/>
+                    <a:p>
+                      <a:endParaRPr lang="de-DE" sz="1400"/>
+                    </a:p>
+                  </a:txBody>
+                  <a:tcPr/>
+                </a:tc>
+                <a:tc>
+                  <a:txBody>
+                    <a:bodyPr/>
+                    <a:lstStyle/>
+                    <a:p>
+                      <a:endParaRPr lang="de-DE" sz="1400"/>
+                    </a:p>
+                  </a:txBody>
+                  <a:tcPr/>
+                </a:tc>
+                <a:tc>
+                  <a:txBody>
+                    <a:bodyPr/>
+                    <a:lstStyle/>
+                    <a:p>
+                      <a:endParaRPr lang="de-DE" sz="1400"/>
+                    </a:p>
+                  </a:txBody>
+                  <a:tcPr/>
+                </a:tc>
+              </a:tr>
+            </a:tbl>
+          </a:graphicData>
+        </a:graphic>
+      </p:graphicFrame>
+      <p:graphicFrame>
+        <p:nvGraphicFramePr>
+          <p:cNvPr id="30" name="Tabelle 29"/>
+          <p:cNvGraphicFramePr>
+            <a:graphicFrameLocks noGrp="1"/>
+          </p:cNvGraphicFramePr>
+          <p:nvPr>
+            <p:extLst>
+              <p:ext uri="{D42A27DB-BD31-4B8C-83A1-F6EECF244321}">
+                <p14:modId xmlns:p14="http://schemas.microsoft.com/office/powerpoint/2010/main" val="3864055354"/>
+              </p:ext>
+            </p:extLst>
+          </p:nvPr>
+        </p:nvGraphicFramePr>
+        <p:xfrm>
+          <a:off x="107504" y="2204864"/>
+          <a:ext cx="2088232" cy="1193767"/>
+        </p:xfrm>
+        <a:graphic>
+          <a:graphicData uri="http://schemas.openxmlformats.org/drawingml/2006/table">
+            <a:tbl>
+              <a:tblPr firstRow="1" bandRow="1">
+                <a:tableStyleId>{5C22544A-7EE6-4342-B048-85BDC9FD1C3A}</a:tableStyleId>
+              </a:tblPr>
+              <a:tblGrid>
+                <a:gridCol w="1044116"/>
+                <a:gridCol w="522058"/>
+                <a:gridCol w="522058"/>
+              </a:tblGrid>
+              <a:tr h="498421">
+                <a:tc>
+                  <a:txBody>
+                    <a:bodyPr/>
+                    <a:lstStyle/>
+                    <a:p>
+                      <a:r>
+                        <a:rPr lang="de-DE" sz="1600" smtClean="0"/>
+                        <a:t>v_clock</a:t>
+                      </a:r>
+                      <a:endParaRPr lang="de-DE" sz="1600"/>
+                    </a:p>
+                  </a:txBody>
+                  <a:tcPr/>
+                </a:tc>
+                <a:tc>
+                  <a:txBody>
+                    <a:bodyPr/>
+                    <a:lstStyle/>
+                    <a:p>
+                      <a:r>
+                        <a:rPr lang="de-DE" sz="1600" err="1" smtClean="0"/>
+                        <a:t>id</a:t>
+                      </a:r>
+                      <a:endParaRPr lang="de-DE" sz="1600"/>
+                    </a:p>
+                  </a:txBody>
+                  <a:tcPr/>
+                </a:tc>
+                <a:tc>
+                  <a:txBody>
+                    <a:bodyPr/>
+                    <a:lstStyle/>
+                    <a:p>
+                      <a:r>
+                        <a:rPr lang="de-DE" sz="1600" smtClean="0"/>
+                        <a:t>ent.</a:t>
+                      </a:r>
+                      <a:endParaRPr lang="de-DE" sz="1600"/>
+                    </a:p>
+                  </a:txBody>
+                  <a:tcPr/>
+                </a:tc>
+              </a:tr>
+              <a:tr h="365675">
+                <a:tc>
+                  <a:txBody>
+                    <a:bodyPr/>
+                    <a:lstStyle/>
+                    <a:p>
+                      <a:r>
+                        <a:rPr lang="de-DE" sz="1400" smtClean="0"/>
+                        <a:t>[2,2,0,0]</a:t>
+                      </a:r>
+                      <a:endParaRPr lang="de-DE" sz="1400"/>
+                    </a:p>
+                  </a:txBody>
+                  <a:tcPr/>
+                </a:tc>
+                <a:tc>
+                  <a:txBody>
+                    <a:bodyPr/>
+                    <a:lstStyle/>
+                    <a:p>
+                      <a:r>
+                        <a:rPr lang="de-DE" sz="1400" smtClean="0"/>
+                        <a:t>1,1</a:t>
+                      </a:r>
+                      <a:endParaRPr lang="de-DE" sz="1400"/>
+                    </a:p>
+                  </a:txBody>
+                  <a:tcPr/>
+                </a:tc>
+                <a:tc>
+                  <a:txBody>
+                    <a:bodyPr/>
+                    <a:lstStyle/>
+                    <a:p>
+                      <a:r>
+                        <a:rPr lang="de-DE" sz="1400" smtClean="0"/>
+                        <a:t>mod</a:t>
+                      </a:r>
+                      <a:endParaRPr lang="de-DE" sz="1400"/>
+                    </a:p>
+                  </a:txBody>
+                  <a:tcPr/>
+                </a:tc>
+              </a:tr>
+              <a:tr h="329671">
+                <a:tc>
+                  <a:txBody>
+                    <a:bodyPr/>
+                    <a:lstStyle/>
+                    <a:p>
+                      <a:endParaRPr lang="de-DE" sz="1400"/>
+                    </a:p>
+                  </a:txBody>
+                  <a:tcPr/>
+                </a:tc>
+                <a:tc>
+                  <a:txBody>
+                    <a:bodyPr/>
+                    <a:lstStyle/>
+                    <a:p>
+                      <a:endParaRPr lang="de-DE" sz="1400"/>
+                    </a:p>
+                  </a:txBody>
+                  <a:tcPr/>
+                </a:tc>
+                <a:tc>
+                  <a:txBody>
+                    <a:bodyPr/>
+                    <a:lstStyle/>
+                    <a:p>
+                      <a:endParaRPr lang="de-DE" sz="1400"/>
+                    </a:p>
+                  </a:txBody>
+                  <a:tcPr/>
+                </a:tc>
+              </a:tr>
+            </a:tbl>
+          </a:graphicData>
+        </a:graphic>
+      </p:graphicFrame>
+      <p:graphicFrame>
+        <p:nvGraphicFramePr>
+          <p:cNvPr id="31" name="Tabelle 30"/>
+          <p:cNvGraphicFramePr>
+            <a:graphicFrameLocks noGrp="1"/>
+          </p:cNvGraphicFramePr>
+          <p:nvPr>
+            <p:extLst>
+              <p:ext uri="{D42A27DB-BD31-4B8C-83A1-F6EECF244321}">
+                <p14:modId xmlns:p14="http://schemas.microsoft.com/office/powerpoint/2010/main" val="3869014979"/>
+              </p:ext>
+            </p:extLst>
+          </p:nvPr>
+        </p:nvGraphicFramePr>
+        <p:xfrm>
+          <a:off x="2267744" y="2204864"/>
+          <a:ext cx="2088232" cy="1204602"/>
+        </p:xfrm>
+        <a:graphic>
+          <a:graphicData uri="http://schemas.openxmlformats.org/drawingml/2006/table">
+            <a:tbl>
+              <a:tblPr firstRow="1" bandRow="1">
+                <a:tableStyleId>{5C22544A-7EE6-4342-B048-85BDC9FD1C3A}</a:tableStyleId>
+              </a:tblPr>
+              <a:tblGrid>
+                <a:gridCol w="1044116"/>
+                <a:gridCol w="522058"/>
+                <a:gridCol w="522058"/>
+              </a:tblGrid>
+              <a:tr h="502945">
+                <a:tc>
+                  <a:txBody>
+                    <a:bodyPr/>
+                    <a:lstStyle/>
+                    <a:p>
+                      <a:r>
+                        <a:rPr lang="de-DE" sz="1600" smtClean="0"/>
+                        <a:t>v_clock</a:t>
+                      </a:r>
+                      <a:endParaRPr lang="de-DE" sz="1600"/>
+                    </a:p>
+                  </a:txBody>
+                  <a:tcPr/>
+                </a:tc>
+                <a:tc>
+                  <a:txBody>
+                    <a:bodyPr/>
+                    <a:lstStyle/>
+                    <a:p>
+                      <a:r>
+                        <a:rPr lang="de-DE" sz="1600" err="1" smtClean="0"/>
+                        <a:t>id</a:t>
+                      </a:r>
+                      <a:endParaRPr lang="de-DE" sz="1600"/>
+                    </a:p>
+                  </a:txBody>
+                  <a:tcPr/>
+                </a:tc>
+                <a:tc>
+                  <a:txBody>
+                    <a:bodyPr/>
+                    <a:lstStyle/>
+                    <a:p>
+                      <a:r>
+                        <a:rPr lang="de-DE" sz="1600" smtClean="0"/>
+                        <a:t>ent.</a:t>
+                      </a:r>
+                      <a:endParaRPr lang="de-DE" sz="1600"/>
+                    </a:p>
+                  </a:txBody>
+                  <a:tcPr/>
+                </a:tc>
+              </a:tr>
+              <a:tr h="368994">
+                <a:tc>
+                  <a:txBody>
+                    <a:bodyPr/>
+                    <a:lstStyle/>
+                    <a:p>
+                      <a:r>
+                        <a:rPr lang="de-DE" sz="1400" smtClean="0"/>
+                        <a:t>[1,2,0,0]</a:t>
+                      </a:r>
+                      <a:endParaRPr lang="de-DE" sz="1400"/>
+                    </a:p>
+                  </a:txBody>
+                  <a:tcPr/>
+                </a:tc>
+                <a:tc>
+                  <a:txBody>
+                    <a:bodyPr/>
+                    <a:lstStyle/>
+                    <a:p>
+                      <a:r>
+                        <a:rPr lang="de-DE" sz="1400" smtClean="0"/>
+                        <a:t>1,1</a:t>
+                      </a:r>
+                      <a:endParaRPr lang="de-DE" sz="1400"/>
+                    </a:p>
+                  </a:txBody>
+                  <a:tcPr/>
+                </a:tc>
+                <a:tc>
+                  <a:txBody>
+                    <a:bodyPr/>
+                    <a:lstStyle/>
+                    <a:p>
+                      <a:r>
+                        <a:rPr lang="de-DE" sz="1400" smtClean="0"/>
+                        <a:t>mod</a:t>
+                      </a:r>
+                      <a:endParaRPr lang="de-DE" sz="1400"/>
+                    </a:p>
+                  </a:txBody>
+                  <a:tcPr/>
+                </a:tc>
+              </a:tr>
+              <a:tr h="332663">
+                <a:tc>
+                  <a:txBody>
+                    <a:bodyPr/>
+                    <a:lstStyle/>
+                    <a:p>
+                      <a:endParaRPr lang="de-DE" sz="1400"/>
+                    </a:p>
+                  </a:txBody>
+                  <a:tcPr/>
+                </a:tc>
+                <a:tc>
+                  <a:txBody>
+                    <a:bodyPr/>
+                    <a:lstStyle/>
+                    <a:p>
+                      <a:endParaRPr lang="de-DE" sz="1400"/>
+                    </a:p>
+                  </a:txBody>
+                  <a:tcPr/>
+                </a:tc>
+                <a:tc>
+                  <a:txBody>
+                    <a:bodyPr/>
+                    <a:lstStyle/>
+                    <a:p>
+                      <a:endParaRPr lang="de-DE" sz="1400"/>
+                    </a:p>
+                  </a:txBody>
+                  <a:tcPr/>
+                </a:tc>
+              </a:tr>
+            </a:tbl>
+          </a:graphicData>
+        </a:graphic>
+      </p:graphicFrame>
+      <p:graphicFrame>
+        <p:nvGraphicFramePr>
+          <p:cNvPr id="32" name="Tabelle 31"/>
+          <p:cNvGraphicFramePr>
+            <a:graphicFrameLocks noGrp="1"/>
+          </p:cNvGraphicFramePr>
+          <p:nvPr>
+            <p:extLst>
+              <p:ext uri="{D42A27DB-BD31-4B8C-83A1-F6EECF244321}">
+                <p14:modId xmlns:p14="http://schemas.microsoft.com/office/powerpoint/2010/main" val="3070013708"/>
+              </p:ext>
+            </p:extLst>
+          </p:nvPr>
+        </p:nvGraphicFramePr>
+        <p:xfrm>
+          <a:off x="4644008" y="2204864"/>
+          <a:ext cx="2088232" cy="1193767"/>
+        </p:xfrm>
+        <a:graphic>
+          <a:graphicData uri="http://schemas.openxmlformats.org/drawingml/2006/table">
+            <a:tbl>
+              <a:tblPr firstRow="1" bandRow="1">
+                <a:tableStyleId>{5C22544A-7EE6-4342-B048-85BDC9FD1C3A}</a:tableStyleId>
+              </a:tblPr>
+              <a:tblGrid>
+                <a:gridCol w="1044116"/>
+                <a:gridCol w="522058"/>
+                <a:gridCol w="522058"/>
+              </a:tblGrid>
+              <a:tr h="498421">
+                <a:tc>
+                  <a:txBody>
+                    <a:bodyPr/>
+                    <a:lstStyle/>
+                    <a:p>
+                      <a:r>
+                        <a:rPr lang="de-DE" sz="1600" smtClean="0"/>
+                        <a:t>v_clock</a:t>
+                      </a:r>
+                      <a:endParaRPr lang="de-DE" sz="1600"/>
+                    </a:p>
+                  </a:txBody>
+                  <a:tcPr/>
+                </a:tc>
+                <a:tc>
+                  <a:txBody>
+                    <a:bodyPr/>
+                    <a:lstStyle/>
+                    <a:p>
+                      <a:r>
+                        <a:rPr lang="de-DE" sz="1600" err="1" smtClean="0"/>
+                        <a:t>id</a:t>
+                      </a:r>
+                      <a:endParaRPr lang="de-DE" sz="1600"/>
+                    </a:p>
+                  </a:txBody>
+                  <a:tcPr/>
+                </a:tc>
+                <a:tc>
+                  <a:txBody>
+                    <a:bodyPr/>
+                    <a:lstStyle/>
+                    <a:p>
+                      <a:r>
+                        <a:rPr lang="de-DE" sz="1600" smtClean="0"/>
+                        <a:t>ent.</a:t>
+                      </a:r>
+                      <a:endParaRPr lang="de-DE" sz="1600"/>
+                    </a:p>
+                  </a:txBody>
+                  <a:tcPr/>
+                </a:tc>
+              </a:tr>
+              <a:tr h="365675">
+                <a:tc>
+                  <a:txBody>
+                    <a:bodyPr/>
+                    <a:lstStyle/>
+                    <a:p>
+                      <a:r>
+                        <a:rPr lang="de-DE" sz="1400" smtClean="0"/>
+                        <a:t>[0,0,2,2]</a:t>
+                      </a:r>
+                      <a:endParaRPr lang="de-DE" sz="1400"/>
+                    </a:p>
+                  </a:txBody>
+                  <a:tcPr/>
+                </a:tc>
+                <a:tc>
+                  <a:txBody>
+                    <a:bodyPr/>
+                    <a:lstStyle/>
+                    <a:p>
+                      <a:r>
+                        <a:rPr lang="de-DE" sz="1400" smtClean="0"/>
+                        <a:t>3,1</a:t>
+                      </a:r>
+                      <a:endParaRPr lang="de-DE" sz="1400"/>
+                    </a:p>
+                  </a:txBody>
+                  <a:tcPr/>
+                </a:tc>
+                <a:tc>
+                  <a:txBody>
+                    <a:bodyPr/>
+                    <a:lstStyle/>
+                    <a:p>
+                      <a:r>
+                        <a:rPr lang="de-DE" sz="1400" smtClean="0"/>
+                        <a:t>mod</a:t>
+                      </a:r>
+                      <a:endParaRPr lang="de-DE" sz="1400"/>
+                    </a:p>
+                  </a:txBody>
+                  <a:tcPr/>
+                </a:tc>
+              </a:tr>
+              <a:tr h="329671">
+                <a:tc>
+                  <a:txBody>
+                    <a:bodyPr/>
+                    <a:lstStyle/>
+                    <a:p>
+                      <a:endParaRPr lang="de-DE" sz="1400"/>
+                    </a:p>
+                  </a:txBody>
+                  <a:tcPr/>
+                </a:tc>
+                <a:tc>
+                  <a:txBody>
+                    <a:bodyPr/>
+                    <a:lstStyle/>
+                    <a:p>
+                      <a:endParaRPr lang="de-DE" sz="1400"/>
+                    </a:p>
+                  </a:txBody>
+                  <a:tcPr/>
+                </a:tc>
+                <a:tc>
+                  <a:txBody>
+                    <a:bodyPr/>
+                    <a:lstStyle/>
+                    <a:p>
+                      <a:endParaRPr lang="de-DE" sz="1400"/>
+                    </a:p>
+                  </a:txBody>
+                  <a:tcPr/>
+                </a:tc>
+              </a:tr>
+            </a:tbl>
+          </a:graphicData>
+        </a:graphic>
+      </p:graphicFrame>
+      <p:graphicFrame>
+        <p:nvGraphicFramePr>
+          <p:cNvPr id="33" name="Tabelle 32"/>
+          <p:cNvGraphicFramePr>
+            <a:graphicFrameLocks noGrp="1"/>
+          </p:cNvGraphicFramePr>
+          <p:nvPr>
+            <p:extLst>
+              <p:ext uri="{D42A27DB-BD31-4B8C-83A1-F6EECF244321}">
+                <p14:modId xmlns:p14="http://schemas.microsoft.com/office/powerpoint/2010/main" val="2569672773"/>
+              </p:ext>
+            </p:extLst>
+          </p:nvPr>
+        </p:nvGraphicFramePr>
+        <p:xfrm>
+          <a:off x="6840252" y="2204864"/>
+          <a:ext cx="2088232" cy="1193767"/>
+        </p:xfrm>
+        <a:graphic>
+          <a:graphicData uri="http://schemas.openxmlformats.org/drawingml/2006/table">
+            <a:tbl>
+              <a:tblPr firstRow="1" bandRow="1">
+                <a:tableStyleId>{5C22544A-7EE6-4342-B048-85BDC9FD1C3A}</a:tableStyleId>
+              </a:tblPr>
+              <a:tblGrid>
+                <a:gridCol w="1044116"/>
+                <a:gridCol w="522058"/>
+                <a:gridCol w="522058"/>
+              </a:tblGrid>
+              <a:tr h="498421">
+                <a:tc>
+                  <a:txBody>
+                    <a:bodyPr/>
+                    <a:lstStyle/>
+                    <a:p>
+                      <a:r>
+                        <a:rPr lang="de-DE" sz="1600" smtClean="0"/>
+                        <a:t>v_clock</a:t>
+                      </a:r>
+                      <a:endParaRPr lang="de-DE" sz="1600"/>
+                    </a:p>
+                  </a:txBody>
+                  <a:tcPr/>
+                </a:tc>
+                <a:tc>
+                  <a:txBody>
+                    <a:bodyPr/>
+                    <a:lstStyle/>
+                    <a:p>
+                      <a:r>
+                        <a:rPr lang="de-DE" sz="1600" err="1" smtClean="0"/>
+                        <a:t>id</a:t>
+                      </a:r>
+                      <a:endParaRPr lang="de-DE" sz="1600"/>
+                    </a:p>
+                  </a:txBody>
+                  <a:tcPr/>
+                </a:tc>
+                <a:tc>
+                  <a:txBody>
+                    <a:bodyPr/>
+                    <a:lstStyle/>
+                    <a:p>
+                      <a:r>
+                        <a:rPr lang="de-DE" sz="1600" smtClean="0"/>
+                        <a:t>ent.</a:t>
+                      </a:r>
+                      <a:endParaRPr lang="de-DE" sz="1600"/>
+                    </a:p>
+                  </a:txBody>
+                  <a:tcPr/>
+                </a:tc>
+              </a:tr>
+              <a:tr h="365675">
+                <a:tc>
+                  <a:txBody>
+                    <a:bodyPr/>
+                    <a:lstStyle/>
+                    <a:p>
+                      <a:r>
+                        <a:rPr lang="de-DE" sz="1400" smtClean="0"/>
+                        <a:t>[0,0,1,2]</a:t>
+                      </a:r>
+                      <a:endParaRPr lang="de-DE" sz="1400"/>
+                    </a:p>
+                  </a:txBody>
+                  <a:tcPr/>
+                </a:tc>
+                <a:tc>
+                  <a:txBody>
+                    <a:bodyPr/>
+                    <a:lstStyle/>
+                    <a:p>
+                      <a:r>
+                        <a:rPr lang="de-DE" sz="1400" smtClean="0"/>
+                        <a:t>3,1</a:t>
+                      </a:r>
+                      <a:endParaRPr lang="de-DE" sz="1400"/>
+                    </a:p>
+                  </a:txBody>
+                  <a:tcPr/>
+                </a:tc>
+                <a:tc>
+                  <a:txBody>
+                    <a:bodyPr/>
+                    <a:lstStyle/>
+                    <a:p>
+                      <a:r>
+                        <a:rPr lang="de-DE" sz="1400" smtClean="0"/>
+                        <a:t>mod</a:t>
+                      </a:r>
+                      <a:endParaRPr lang="de-DE" sz="1400"/>
+                    </a:p>
+                  </a:txBody>
+                  <a:tcPr/>
+                </a:tc>
+              </a:tr>
+              <a:tr h="329671">
+                <a:tc>
+                  <a:txBody>
+                    <a:bodyPr/>
+                    <a:lstStyle/>
+                    <a:p>
+                      <a:endParaRPr lang="de-DE" sz="1400"/>
+                    </a:p>
+                  </a:txBody>
+                  <a:tcPr/>
+                </a:tc>
+                <a:tc>
+                  <a:txBody>
+                    <a:bodyPr/>
+                    <a:lstStyle/>
+                    <a:p>
+                      <a:endParaRPr lang="de-DE" sz="1400"/>
+                    </a:p>
+                  </a:txBody>
+                  <a:tcPr/>
+                </a:tc>
+                <a:tc>
+                  <a:txBody>
+                    <a:bodyPr/>
+                    <a:lstStyle/>
+                    <a:p>
+                      <a:endParaRPr lang="de-DE" sz="1400"/>
+                    </a:p>
+                  </a:txBody>
+                  <a:tcPr/>
+                </a:tc>
+              </a:tr>
+            </a:tbl>
+          </a:graphicData>
+        </a:graphic>
+      </p:graphicFrame>
+      <p:graphicFrame>
+        <p:nvGraphicFramePr>
+          <p:cNvPr id="34" name="Tabelle 33"/>
+          <p:cNvGraphicFramePr>
+            <a:graphicFrameLocks noGrp="1"/>
+          </p:cNvGraphicFramePr>
+          <p:nvPr>
+            <p:extLst>
+              <p:ext uri="{D42A27DB-BD31-4B8C-83A1-F6EECF244321}">
+                <p14:modId xmlns:p14="http://schemas.microsoft.com/office/powerpoint/2010/main" val="4286397594"/>
+              </p:ext>
+            </p:extLst>
+          </p:nvPr>
+        </p:nvGraphicFramePr>
+        <p:xfrm>
+          <a:off x="107504" y="3645024"/>
+          <a:ext cx="2088232" cy="1193767"/>
+        </p:xfrm>
+        <a:graphic>
+          <a:graphicData uri="http://schemas.openxmlformats.org/drawingml/2006/table">
+            <a:tbl>
+              <a:tblPr firstRow="1" bandRow="1">
+                <a:tableStyleId>{5C22544A-7EE6-4342-B048-85BDC9FD1C3A}</a:tableStyleId>
+              </a:tblPr>
+              <a:tblGrid>
+                <a:gridCol w="1044116"/>
+                <a:gridCol w="522058"/>
+                <a:gridCol w="522058"/>
+              </a:tblGrid>
+              <a:tr h="498421">
+                <a:tc>
+                  <a:txBody>
+                    <a:bodyPr/>
+                    <a:lstStyle/>
+                    <a:p>
+                      <a:r>
+                        <a:rPr lang="de-DE" sz="1600" smtClean="0"/>
+                        <a:t>v_clock</a:t>
+                      </a:r>
+                      <a:endParaRPr lang="de-DE" sz="1600"/>
+                    </a:p>
+                  </a:txBody>
+                  <a:tcPr/>
+                </a:tc>
+                <a:tc>
+                  <a:txBody>
+                    <a:bodyPr/>
+                    <a:lstStyle/>
+                    <a:p>
+                      <a:r>
+                        <a:rPr lang="de-DE" sz="1600" err="1" smtClean="0"/>
+                        <a:t>id</a:t>
+                      </a:r>
+                      <a:endParaRPr lang="de-DE" sz="1600"/>
+                    </a:p>
+                  </a:txBody>
+                  <a:tcPr/>
+                </a:tc>
+                <a:tc>
+                  <a:txBody>
+                    <a:bodyPr/>
+                    <a:lstStyle/>
+                    <a:p>
+                      <a:r>
+                        <a:rPr lang="de-DE" sz="1600" smtClean="0"/>
+                        <a:t>ent.</a:t>
+                      </a:r>
+                      <a:endParaRPr lang="de-DE" sz="1600"/>
+                    </a:p>
+                  </a:txBody>
+                  <a:tcPr/>
+                </a:tc>
+              </a:tr>
+              <a:tr h="365675">
+                <a:tc>
+                  <a:txBody>
+                    <a:bodyPr/>
+                    <a:lstStyle/>
+                    <a:p>
+                      <a:r>
+                        <a:rPr lang="de-DE" sz="1400" smtClean="0"/>
+                        <a:t>[2,2,0,0]</a:t>
+                      </a:r>
+                      <a:endParaRPr lang="de-DE" sz="1400"/>
+                    </a:p>
+                  </a:txBody>
+                  <a:tcPr/>
+                </a:tc>
+                <a:tc>
+                  <a:txBody>
+                    <a:bodyPr/>
+                    <a:lstStyle/>
+                    <a:p>
+                      <a:r>
+                        <a:rPr lang="de-DE" sz="1400" smtClean="0"/>
+                        <a:t>1,1</a:t>
+                      </a:r>
+                      <a:endParaRPr lang="de-DE" sz="1400"/>
+                    </a:p>
+                  </a:txBody>
+                  <a:tcPr/>
+                </a:tc>
+                <a:tc>
+                  <a:txBody>
+                    <a:bodyPr/>
+                    <a:lstStyle/>
+                    <a:p>
+                      <a:r>
+                        <a:rPr lang="de-DE" sz="1400" smtClean="0"/>
+                        <a:t>mod</a:t>
+                      </a:r>
+                      <a:endParaRPr lang="de-DE" sz="1400"/>
+                    </a:p>
+                  </a:txBody>
+                  <a:tcPr/>
+                </a:tc>
+              </a:tr>
+              <a:tr h="329671">
+                <a:tc>
+                  <a:txBody>
+                    <a:bodyPr/>
+                    <a:lstStyle/>
+                    <a:p>
+                      <a:r>
+                        <a:rPr lang="de-DE" sz="1400" smtClean="0"/>
+                        <a:t>[3,0,1,2</a:t>
+                      </a:r>
+                      <a:r>
+                        <a:rPr lang="de-DE" sz="1400" smtClean="0"/>
+                        <a:t>]</a:t>
+                      </a:r>
+                      <a:endParaRPr lang="de-DE" sz="1400"/>
+                    </a:p>
+                  </a:txBody>
+                  <a:tcPr/>
+                </a:tc>
+                <a:tc>
+                  <a:txBody>
+                    <a:bodyPr/>
+                    <a:lstStyle/>
+                    <a:p>
+                      <a:r>
+                        <a:rPr lang="de-DE" sz="1400" smtClean="0"/>
+                        <a:t>3,1</a:t>
+                      </a:r>
+                      <a:endParaRPr lang="de-DE" sz="1400"/>
+                    </a:p>
+                  </a:txBody>
+                  <a:tcPr/>
+                </a:tc>
+                <a:tc>
+                  <a:txBody>
+                    <a:bodyPr/>
+                    <a:lstStyle/>
+                    <a:p>
+                      <a:r>
+                        <a:rPr lang="de-DE" sz="1400" smtClean="0"/>
+                        <a:t>mod</a:t>
+                      </a:r>
+                      <a:endParaRPr lang="de-DE" sz="1400"/>
+                    </a:p>
+                  </a:txBody>
+                  <a:tcPr/>
+                </a:tc>
+              </a:tr>
+            </a:tbl>
+          </a:graphicData>
+        </a:graphic>
+      </p:graphicFrame>
+      <p:graphicFrame>
+        <p:nvGraphicFramePr>
+          <p:cNvPr id="35" name="Tabelle 34"/>
+          <p:cNvGraphicFramePr>
+            <a:graphicFrameLocks noGrp="1"/>
+          </p:cNvGraphicFramePr>
+          <p:nvPr>
+            <p:extLst>
+              <p:ext uri="{D42A27DB-BD31-4B8C-83A1-F6EECF244321}">
+                <p14:modId xmlns:p14="http://schemas.microsoft.com/office/powerpoint/2010/main" val="4046841673"/>
+              </p:ext>
+            </p:extLst>
+          </p:nvPr>
+        </p:nvGraphicFramePr>
+        <p:xfrm>
+          <a:off x="2267744" y="3645024"/>
+          <a:ext cx="2088232" cy="1179505"/>
+        </p:xfrm>
+        <a:graphic>
+          <a:graphicData uri="http://schemas.openxmlformats.org/drawingml/2006/table">
+            <a:tbl>
+              <a:tblPr firstRow="1" bandRow="1">
+                <a:tableStyleId>{5C22544A-7EE6-4342-B048-85BDC9FD1C3A}</a:tableStyleId>
+              </a:tblPr>
+              <a:tblGrid>
+                <a:gridCol w="1044116"/>
+                <a:gridCol w="522058"/>
+                <a:gridCol w="522058"/>
+              </a:tblGrid>
+              <a:tr h="502945">
+                <a:tc>
+                  <a:txBody>
+                    <a:bodyPr/>
+                    <a:lstStyle/>
+                    <a:p>
+                      <a:r>
+                        <a:rPr lang="de-DE" sz="1600" smtClean="0"/>
+                        <a:t>v_clock</a:t>
+                      </a:r>
+                      <a:endParaRPr lang="de-DE" sz="1600"/>
+                    </a:p>
+                  </a:txBody>
+                  <a:tcPr/>
+                </a:tc>
+                <a:tc>
+                  <a:txBody>
+                    <a:bodyPr/>
+                    <a:lstStyle/>
+                    <a:p>
+                      <a:r>
+                        <a:rPr lang="de-DE" sz="1600" err="1" smtClean="0"/>
+                        <a:t>id</a:t>
+                      </a:r>
+                      <a:endParaRPr lang="de-DE" sz="1600"/>
+                    </a:p>
+                  </a:txBody>
+                  <a:tcPr/>
+                </a:tc>
+                <a:tc>
+                  <a:txBody>
+                    <a:bodyPr/>
+                    <a:lstStyle/>
+                    <a:p>
+                      <a:r>
+                        <a:rPr lang="de-DE" sz="1600" smtClean="0"/>
+                        <a:t>ent.</a:t>
+                      </a:r>
+                      <a:endParaRPr lang="de-DE" sz="1600"/>
+                    </a:p>
+                  </a:txBody>
+                  <a:tcPr/>
+                </a:tc>
+              </a:tr>
+              <a:tr h="368994">
+                <a:tc>
+                  <a:txBody>
+                    <a:bodyPr/>
+                    <a:lstStyle/>
+                    <a:p>
+                      <a:r>
+                        <a:rPr lang="de-DE" sz="1400" smtClean="0"/>
+                        <a:t>[1,2,0,0]</a:t>
+                      </a:r>
+                      <a:endParaRPr lang="de-DE" sz="1400"/>
+                    </a:p>
+                  </a:txBody>
+                  <a:tcPr/>
+                </a:tc>
+                <a:tc>
+                  <a:txBody>
+                    <a:bodyPr/>
+                    <a:lstStyle/>
+                    <a:p>
+                      <a:r>
+                        <a:rPr lang="de-DE" sz="1400" smtClean="0"/>
+                        <a:t>1,1</a:t>
+                      </a:r>
+                      <a:endParaRPr lang="de-DE" sz="1400"/>
+                    </a:p>
+                  </a:txBody>
+                  <a:tcPr/>
+                </a:tc>
+                <a:tc>
+                  <a:txBody>
+                    <a:bodyPr/>
+                    <a:lstStyle/>
+                    <a:p>
+                      <a:r>
+                        <a:rPr lang="de-DE" sz="1400" smtClean="0"/>
+                        <a:t>mod</a:t>
+                      </a:r>
+                      <a:endParaRPr lang="de-DE" sz="1400"/>
+                    </a:p>
+                  </a:txBody>
+                  <a:tcPr/>
+                </a:tc>
+              </a:tr>
+              <a:tr h="307566">
+                <a:tc>
+                  <a:txBody>
+                    <a:bodyPr/>
+                    <a:lstStyle/>
+                    <a:p>
+                      <a:r>
+                        <a:rPr lang="de-DE" sz="1400" smtClean="0"/>
+                        <a:t>[0,3,1,0]</a:t>
+                      </a:r>
+                      <a:endParaRPr lang="de-DE" sz="1400"/>
+                    </a:p>
+                  </a:txBody>
+                  <a:tcPr/>
+                </a:tc>
+                <a:tc>
+                  <a:txBody>
+                    <a:bodyPr/>
+                    <a:lstStyle/>
+                    <a:p>
+                      <a:r>
+                        <a:rPr lang="de-DE" sz="1400" smtClean="0"/>
+                        <a:t>3,1</a:t>
+                      </a:r>
+                      <a:endParaRPr lang="de-DE" sz="1400"/>
+                    </a:p>
+                  </a:txBody>
+                  <a:tcPr/>
+                </a:tc>
+                <a:tc>
+                  <a:txBody>
+                    <a:bodyPr/>
+                    <a:lstStyle/>
+                    <a:p>
+                      <a:r>
+                        <a:rPr lang="de-DE" sz="1400" smtClean="0"/>
+                        <a:t>sub</a:t>
+                      </a:r>
+                      <a:endParaRPr lang="de-DE" sz="1400"/>
+                    </a:p>
+                  </a:txBody>
+                  <a:tcPr/>
+                </a:tc>
+              </a:tr>
+            </a:tbl>
+          </a:graphicData>
+        </a:graphic>
+      </p:graphicFrame>
+      <p:graphicFrame>
+        <p:nvGraphicFramePr>
+          <p:cNvPr id="36" name="Tabelle 35"/>
+          <p:cNvGraphicFramePr>
+            <a:graphicFrameLocks noGrp="1"/>
+          </p:cNvGraphicFramePr>
+          <p:nvPr>
+            <p:extLst>
+              <p:ext uri="{D42A27DB-BD31-4B8C-83A1-F6EECF244321}">
+                <p14:modId xmlns:p14="http://schemas.microsoft.com/office/powerpoint/2010/main" val="2004634995"/>
+              </p:ext>
+            </p:extLst>
+          </p:nvPr>
+        </p:nvGraphicFramePr>
+        <p:xfrm>
+          <a:off x="4644008" y="3645024"/>
+          <a:ext cx="2088232" cy="1193767"/>
+        </p:xfrm>
+        <a:graphic>
+          <a:graphicData uri="http://schemas.openxmlformats.org/drawingml/2006/table">
+            <a:tbl>
+              <a:tblPr firstRow="1" bandRow="1">
+                <a:tableStyleId>{5C22544A-7EE6-4342-B048-85BDC9FD1C3A}</a:tableStyleId>
+              </a:tblPr>
+              <a:tblGrid>
+                <a:gridCol w="1044116"/>
+                <a:gridCol w="522058"/>
+                <a:gridCol w="522058"/>
+              </a:tblGrid>
+              <a:tr h="498421">
+                <a:tc>
+                  <a:txBody>
+                    <a:bodyPr/>
+                    <a:lstStyle/>
+                    <a:p>
+                      <a:r>
+                        <a:rPr lang="de-DE" sz="1600" smtClean="0"/>
+                        <a:t>v_clock</a:t>
+                      </a:r>
+                      <a:endParaRPr lang="de-DE" sz="1600"/>
+                    </a:p>
+                  </a:txBody>
+                  <a:tcPr/>
+                </a:tc>
+                <a:tc>
+                  <a:txBody>
+                    <a:bodyPr/>
+                    <a:lstStyle/>
+                    <a:p>
+                      <a:r>
+                        <a:rPr lang="de-DE" sz="1600" err="1" smtClean="0"/>
+                        <a:t>id</a:t>
+                      </a:r>
+                      <a:endParaRPr lang="de-DE" sz="1600"/>
+                    </a:p>
+                  </a:txBody>
+                  <a:tcPr/>
+                </a:tc>
+                <a:tc>
+                  <a:txBody>
+                    <a:bodyPr/>
+                    <a:lstStyle/>
+                    <a:p>
+                      <a:r>
+                        <a:rPr lang="de-DE" sz="1600" smtClean="0"/>
+                        <a:t>ent.</a:t>
+                      </a:r>
+                      <a:endParaRPr lang="de-DE" sz="1600"/>
+                    </a:p>
+                  </a:txBody>
+                  <a:tcPr/>
+                </a:tc>
+              </a:tr>
+              <a:tr h="365675">
+                <a:tc>
+                  <a:txBody>
+                    <a:bodyPr/>
+                    <a:lstStyle/>
+                    <a:p>
+                      <a:r>
+                        <a:rPr lang="de-DE" sz="1400" smtClean="0"/>
+                        <a:t>[0,0,2,2]</a:t>
+                      </a:r>
+                      <a:endParaRPr lang="de-DE" sz="1400"/>
+                    </a:p>
+                  </a:txBody>
+                  <a:tcPr/>
+                </a:tc>
+                <a:tc>
+                  <a:txBody>
+                    <a:bodyPr/>
+                    <a:lstStyle/>
+                    <a:p>
+                      <a:r>
+                        <a:rPr lang="de-DE" sz="1400" smtClean="0"/>
+                        <a:t>3,1</a:t>
+                      </a:r>
+                      <a:endParaRPr lang="de-DE" sz="1400"/>
+                    </a:p>
+                  </a:txBody>
+                  <a:tcPr/>
+                </a:tc>
+                <a:tc>
+                  <a:txBody>
+                    <a:bodyPr/>
+                    <a:lstStyle/>
+                    <a:p>
+                      <a:r>
+                        <a:rPr lang="de-DE" sz="1400" smtClean="0"/>
+                        <a:t>mod</a:t>
+                      </a:r>
+                      <a:endParaRPr lang="de-DE" sz="1400"/>
+                    </a:p>
+                  </a:txBody>
+                  <a:tcPr/>
+                </a:tc>
+              </a:tr>
+              <a:tr h="329671">
+                <a:tc>
+                  <a:txBody>
+                    <a:bodyPr/>
+                    <a:lstStyle/>
+                    <a:p>
+                      <a:r>
+                        <a:rPr lang="de-DE" sz="1400" smtClean="0"/>
+                        <a:t>[</a:t>
+                      </a:r>
+                      <a:r>
+                        <a:rPr lang="de-DE" sz="1400" smtClean="0"/>
+                        <a:t>1,2,3,0</a:t>
+                      </a:r>
+                      <a:r>
+                        <a:rPr lang="de-DE" sz="1400" smtClean="0"/>
+                        <a:t>]</a:t>
+                      </a:r>
+                      <a:endParaRPr lang="de-DE" sz="1400"/>
+                    </a:p>
+                  </a:txBody>
+                  <a:tcPr/>
+                </a:tc>
+                <a:tc>
+                  <a:txBody>
+                    <a:bodyPr/>
+                    <a:lstStyle/>
+                    <a:p>
+                      <a:r>
+                        <a:rPr lang="de-DE" sz="1400" smtClean="0"/>
+                        <a:t>1,1</a:t>
+                      </a:r>
+                      <a:endParaRPr lang="de-DE" sz="1400"/>
+                    </a:p>
+                  </a:txBody>
+                  <a:tcPr/>
+                </a:tc>
+                <a:tc>
+                  <a:txBody>
+                    <a:bodyPr/>
+                    <a:lstStyle/>
+                    <a:p>
+                      <a:r>
+                        <a:rPr lang="de-DE" sz="1400" smtClean="0"/>
+                        <a:t>mod</a:t>
+                      </a:r>
+                      <a:endParaRPr lang="de-DE" sz="1400"/>
+                    </a:p>
+                  </a:txBody>
+                  <a:tcPr/>
+                </a:tc>
+              </a:tr>
+            </a:tbl>
+          </a:graphicData>
+        </a:graphic>
+      </p:graphicFrame>
+      <p:graphicFrame>
+        <p:nvGraphicFramePr>
+          <p:cNvPr id="37" name="Tabelle 36"/>
+          <p:cNvGraphicFramePr>
+            <a:graphicFrameLocks noGrp="1"/>
+          </p:cNvGraphicFramePr>
+          <p:nvPr>
+            <p:extLst>
+              <p:ext uri="{D42A27DB-BD31-4B8C-83A1-F6EECF244321}">
+                <p14:modId xmlns:p14="http://schemas.microsoft.com/office/powerpoint/2010/main" val="1225564684"/>
+              </p:ext>
+            </p:extLst>
+          </p:nvPr>
+        </p:nvGraphicFramePr>
+        <p:xfrm>
+          <a:off x="6840252" y="3645024"/>
+          <a:ext cx="2088232" cy="1193767"/>
+        </p:xfrm>
+        <a:graphic>
+          <a:graphicData uri="http://schemas.openxmlformats.org/drawingml/2006/table">
+            <a:tbl>
+              <a:tblPr firstRow="1" bandRow="1">
+                <a:tableStyleId>{5C22544A-7EE6-4342-B048-85BDC9FD1C3A}</a:tableStyleId>
+              </a:tblPr>
+              <a:tblGrid>
+                <a:gridCol w="1044116"/>
+                <a:gridCol w="522058"/>
+                <a:gridCol w="522058"/>
+              </a:tblGrid>
+              <a:tr h="498421">
+                <a:tc>
+                  <a:txBody>
+                    <a:bodyPr/>
+                    <a:lstStyle/>
+                    <a:p>
+                      <a:r>
+                        <a:rPr lang="de-DE" sz="1600" smtClean="0"/>
+                        <a:t>v_clock</a:t>
+                      </a:r>
+                      <a:endParaRPr lang="de-DE" sz="1600"/>
+                    </a:p>
+                  </a:txBody>
+                  <a:tcPr/>
+                </a:tc>
+                <a:tc>
+                  <a:txBody>
+                    <a:bodyPr/>
+                    <a:lstStyle/>
+                    <a:p>
+                      <a:r>
+                        <a:rPr lang="de-DE" sz="1600" err="1" smtClean="0"/>
+                        <a:t>id</a:t>
+                      </a:r>
+                      <a:endParaRPr lang="de-DE" sz="1600"/>
+                    </a:p>
+                  </a:txBody>
+                  <a:tcPr/>
+                </a:tc>
+                <a:tc>
+                  <a:txBody>
+                    <a:bodyPr/>
+                    <a:lstStyle/>
+                    <a:p>
+                      <a:r>
+                        <a:rPr lang="de-DE" sz="1600" smtClean="0"/>
+                        <a:t>ent.</a:t>
+                      </a:r>
+                      <a:endParaRPr lang="de-DE" sz="1600"/>
+                    </a:p>
+                  </a:txBody>
+                  <a:tcPr/>
+                </a:tc>
+              </a:tr>
+              <a:tr h="365675">
+                <a:tc>
+                  <a:txBody>
+                    <a:bodyPr/>
+                    <a:lstStyle/>
+                    <a:p>
+                      <a:r>
+                        <a:rPr lang="de-DE" sz="1400" smtClean="0"/>
+                        <a:t>[0,0,1,2]</a:t>
+                      </a:r>
+                      <a:endParaRPr lang="de-DE" sz="1400"/>
+                    </a:p>
+                  </a:txBody>
+                  <a:tcPr/>
+                </a:tc>
+                <a:tc>
+                  <a:txBody>
+                    <a:bodyPr/>
+                    <a:lstStyle/>
+                    <a:p>
+                      <a:r>
+                        <a:rPr lang="de-DE" sz="1400" smtClean="0"/>
+                        <a:t>3,1</a:t>
+                      </a:r>
+                      <a:endParaRPr lang="de-DE" sz="1400"/>
+                    </a:p>
+                  </a:txBody>
+                  <a:tcPr/>
+                </a:tc>
+                <a:tc>
+                  <a:txBody>
+                    <a:bodyPr/>
+                    <a:lstStyle/>
+                    <a:p>
+                      <a:r>
+                        <a:rPr lang="de-DE" sz="1400" smtClean="0"/>
+                        <a:t>mod</a:t>
+                      </a:r>
+                      <a:endParaRPr lang="de-DE" sz="1400"/>
+                    </a:p>
+                  </a:txBody>
+                  <a:tcPr/>
+                </a:tc>
+              </a:tr>
+              <a:tr h="329671">
+                <a:tc>
+                  <a:txBody>
+                    <a:bodyPr/>
+                    <a:lstStyle/>
+                    <a:p>
+                      <a:r>
+                        <a:rPr lang="de-DE" sz="1400" smtClean="0"/>
+                        <a:t>[</a:t>
+                      </a:r>
+                      <a:r>
+                        <a:rPr lang="de-DE" sz="1400" smtClean="0"/>
+                        <a:t>1,0,0,3]</a:t>
+                      </a:r>
+                      <a:endParaRPr lang="de-DE" sz="1400"/>
+                    </a:p>
+                  </a:txBody>
+                  <a:tcPr/>
+                </a:tc>
+                <a:tc>
+                  <a:txBody>
+                    <a:bodyPr/>
+                    <a:lstStyle/>
+                    <a:p>
+                      <a:r>
+                        <a:rPr lang="de-DE" sz="1400" smtClean="0"/>
+                        <a:t>1,1</a:t>
+                      </a:r>
+                      <a:endParaRPr lang="de-DE" sz="1400"/>
+                    </a:p>
+                  </a:txBody>
+                  <a:tcPr/>
+                </a:tc>
+                <a:tc>
+                  <a:txBody>
+                    <a:bodyPr/>
+                    <a:lstStyle/>
+                    <a:p>
+                      <a:r>
+                        <a:rPr lang="de-DE" sz="1400" smtClean="0"/>
+                        <a:t>sub</a:t>
+                      </a:r>
+                      <a:endParaRPr lang="de-DE" sz="1400"/>
+                    </a:p>
+                  </a:txBody>
+                  <a:tcPr/>
+                </a:tc>
+              </a:tr>
+            </a:tbl>
+          </a:graphicData>
+        </a:graphic>
+      </p:graphicFrame>
+    </p:spTree>
+    <p:extLst>
+      <p:ext uri="{BB962C8B-B14F-4D97-AF65-F5344CB8AC3E}">
+        <p14:creationId xmlns:p14="http://schemas.microsoft.com/office/powerpoint/2010/main" val="1300097187"/>
       </p:ext>
     </p:extLst>
   </p:cSld>
